--- a/DsDotNet/src/UnitTest/UnitTest.Model/ImportOfficeExample/ppt/T9_Group.pptx
+++ b/DsDotNet/src/UnitTest/UnitTest.Model/ImportOfficeExample/ppt/T9_Group.pptx
@@ -217,7 +217,7 @@
           <a:p>
             <a:fld id="{DD503887-5801-43A0-AEF9-041E8DDC2558}" type="datetimeFigureOut">
               <a:rPr lang="ko-KR" altLang="en-US" smtClean="0"/>
-              <a:t>2023-01-13</a:t>
+              <a:t>2023-09-04</a:t>
             </a:fld>
             <a:endParaRPr lang="ko-KR" altLang="en-US"/>
           </a:p>
@@ -394,7 +394,7 @@
           <a:p>
             <a:fld id="{95336A0E-57B1-4D4C-BD9B-2F72B5943464}" type="datetimeFigureOut">
               <a:rPr lang="ko-KR" altLang="en-US" smtClean="0"/>
-              <a:t>2023-01-13</a:t>
+              <a:t>2023-09-04</a:t>
             </a:fld>
             <a:endParaRPr lang="ko-KR" altLang="en-US"/>
           </a:p>
@@ -756,7 +756,7 @@
           <a:effectLst/>
           <a:extLst>
             <a:ext uri="{91240B29-F687-4f45-9708-019B960494DF}">
-              <a14:hiddenLine xmlns:a14="http://schemas.microsoft.com/office/drawing/2010/main" xmlns="" w="9525">
+              <a14:hiddenLine xmlns="" xmlns:a14="http://schemas.microsoft.com/office/drawing/2010/main" w="9525">
                 <a:solidFill>
                   <a:srgbClr val="000000"/>
                 </a:solidFill>
@@ -948,7 +948,7 @@
           <a:p>
             <a:fld id="{DEA6EBF0-8E22-42A7-9BEA-2AC7066E6498}" type="datetimeFigureOut">
               <a:rPr lang="ko-KR" altLang="en-US" smtClean="0"/>
-              <a:t>2023-01-13</a:t>
+              <a:t>2023-09-04</a:t>
             </a:fld>
             <a:endParaRPr lang="ko-KR" altLang="en-US"/>
           </a:p>
@@ -1266,7 +1266,7 @@
           <a:p>
             <a:fld id="{DEA6EBF0-8E22-42A7-9BEA-2AC7066E6498}" type="datetimeFigureOut">
               <a:rPr lang="ko-KR" altLang="en-US" smtClean="0"/>
-              <a:t>2023-01-13</a:t>
+              <a:t>2023-09-04</a:t>
             </a:fld>
             <a:endParaRPr lang="ko-KR" altLang="en-US"/>
           </a:p>
@@ -1754,7 +1754,7 @@
           <a:p>
             <a:fld id="{DEA6EBF0-8E22-42A7-9BEA-2AC7066E6498}" type="datetimeFigureOut">
               <a:rPr lang="ko-KR" altLang="en-US" smtClean="0"/>
-              <a:t>2023-01-13</a:t>
+              <a:t>2023-09-04</a:t>
             </a:fld>
             <a:endParaRPr lang="ko-KR" altLang="en-US"/>
           </a:p>
@@ -2123,7 +2123,7 @@
           <a:p>
             <a:fld id="{DEA6EBF0-8E22-42A7-9BEA-2AC7066E6498}" type="datetimeFigureOut">
               <a:rPr lang="ko-KR" altLang="en-US" smtClean="0"/>
-              <a:t>2023-01-13</a:t>
+              <a:t>2023-09-04</a:t>
             </a:fld>
             <a:endParaRPr lang="ko-KR" altLang="en-US"/>
           </a:p>
@@ -2278,7 +2278,7 @@
           <a:ln/>
           <a:extLst>
             <a:ext uri="{91240B29-F687-4f45-9708-019B960494DF}">
-              <a14:hiddenLine xmlns:a14="http://schemas.microsoft.com/office/drawing/2010/main" xmlns="" w="9525">
+              <a14:hiddenLine xmlns="" xmlns:a14="http://schemas.microsoft.com/office/drawing/2010/main" w="9525">
                 <a:solidFill>
                   <a:srgbClr val="000000"/>
                 </a:solidFill>
@@ -2396,7 +2396,7 @@
           <a:p>
             <a:fld id="{DEA6EBF0-8E22-42A7-9BEA-2AC7066E6498}" type="datetimeFigureOut">
               <a:rPr lang="ko-KR" altLang="en-US" smtClean="0"/>
-              <a:t>2023-01-13</a:t>
+              <a:t>2023-09-04</a:t>
             </a:fld>
             <a:endParaRPr lang="ko-KR" altLang="en-US"/>
           </a:p>
@@ -2553,7 +2553,7 @@
           <a:ln/>
           <a:extLst>
             <a:ext uri="{91240B29-F687-4f45-9708-019B960494DF}">
-              <a14:hiddenLine xmlns:a14="http://schemas.microsoft.com/office/drawing/2010/main" xmlns="" w="9525">
+              <a14:hiddenLine xmlns="" xmlns:a14="http://schemas.microsoft.com/office/drawing/2010/main" w="9525">
                 <a:solidFill>
                   <a:srgbClr val="000000"/>
                 </a:solidFill>
@@ -2681,7 +2681,7 @@
           <a:p>
             <a:fld id="{DEA6EBF0-8E22-42A7-9BEA-2AC7066E6498}" type="datetimeFigureOut">
               <a:rPr lang="ko-KR" altLang="en-US" smtClean="0"/>
-              <a:t>2023-01-13</a:t>
+              <a:t>2023-09-04</a:t>
             </a:fld>
             <a:endParaRPr lang="ko-KR" altLang="en-US"/>
           </a:p>
@@ -2799,7 +2799,7 @@
           <a:p>
             <a:fld id="{DEA6EBF0-8E22-42A7-9BEA-2AC7066E6498}" type="datetimeFigureOut">
               <a:rPr lang="ko-KR" altLang="en-US" smtClean="0"/>
-              <a:t>2023-01-13</a:t>
+              <a:t>2023-09-04</a:t>
             </a:fld>
             <a:endParaRPr lang="ko-KR" altLang="en-US"/>
           </a:p>
@@ -2954,7 +2954,7 @@
           <a:ln/>
           <a:extLst>
             <a:ext uri="{91240B29-F687-4f45-9708-019B960494DF}">
-              <a14:hiddenLine xmlns:a14="http://schemas.microsoft.com/office/drawing/2010/main" xmlns="" w="9525">
+              <a14:hiddenLine xmlns="" xmlns:a14="http://schemas.microsoft.com/office/drawing/2010/main" w="9525">
                 <a:solidFill>
                   <a:srgbClr val="000000"/>
                 </a:solidFill>
@@ -3082,7 +3082,7 @@
           <a:p>
             <a:fld id="{DEA6EBF0-8E22-42A7-9BEA-2AC7066E6498}" type="datetimeFigureOut">
               <a:rPr lang="ko-KR" altLang="en-US" smtClean="0"/>
-              <a:t>2023-01-13</a:t>
+              <a:t>2023-09-04</a:t>
             </a:fld>
             <a:endParaRPr lang="ko-KR" altLang="en-US"/>
           </a:p>
@@ -3425,7 +3425,7 @@
           <a:p>
             <a:fld id="{DEA6EBF0-8E22-42A7-9BEA-2AC7066E6498}" type="datetimeFigureOut">
               <a:rPr lang="ko-KR" altLang="en-US" smtClean="0"/>
-              <a:t>2023-01-13</a:t>
+              <a:t>2023-09-04</a:t>
             </a:fld>
             <a:endParaRPr lang="ko-KR" altLang="en-US"/>
           </a:p>
@@ -3580,7 +3580,7 @@
           <a:ln/>
           <a:extLst>
             <a:ext uri="{91240B29-F687-4f45-9708-019B960494DF}">
-              <a14:hiddenLine xmlns:a14="http://schemas.microsoft.com/office/drawing/2010/main" xmlns="" w="9525">
+              <a14:hiddenLine xmlns="" xmlns:a14="http://schemas.microsoft.com/office/drawing/2010/main" w="9525">
                 <a:solidFill>
                   <a:srgbClr val="000000"/>
                 </a:solidFill>
@@ -3764,7 +3764,7 @@
           <a:p>
             <a:fld id="{DEA6EBF0-8E22-42A7-9BEA-2AC7066E6498}" type="datetimeFigureOut">
               <a:rPr lang="ko-KR" altLang="en-US" smtClean="0"/>
-              <a:t>2023-01-13</a:t>
+              <a:t>2023-09-04</a:t>
             </a:fld>
             <a:endParaRPr lang="ko-KR" altLang="en-US"/>
           </a:p>
@@ -3919,7 +3919,7 @@
           <a:ln/>
           <a:extLst>
             <a:ext uri="{91240B29-F687-4f45-9708-019B960494DF}">
-              <a14:hiddenLine xmlns:a14="http://schemas.microsoft.com/office/drawing/2010/main" xmlns="" w="9525">
+              <a14:hiddenLine xmlns="" xmlns:a14="http://schemas.microsoft.com/office/drawing/2010/main" w="9525">
                 <a:solidFill>
                   <a:srgbClr val="000000"/>
                 </a:solidFill>
@@ -4241,7 +4241,7 @@
           <a:p>
             <a:fld id="{DEA6EBF0-8E22-42A7-9BEA-2AC7066E6498}" type="datetimeFigureOut">
               <a:rPr lang="ko-KR" altLang="en-US" smtClean="0"/>
-              <a:t>2023-01-13</a:t>
+              <a:t>2023-09-04</a:t>
             </a:fld>
             <a:endParaRPr lang="ko-KR" altLang="en-US"/>
           </a:p>
@@ -4336,7 +4336,7 @@
           <a:p>
             <a:fld id="{DEA6EBF0-8E22-42A7-9BEA-2AC7066E6498}" type="datetimeFigureOut">
               <a:rPr lang="ko-KR" altLang="en-US" smtClean="0"/>
-              <a:t>2023-01-13</a:t>
+              <a:t>2023-09-04</a:t>
             </a:fld>
             <a:endParaRPr lang="ko-KR" altLang="en-US"/>
           </a:p>
@@ -4604,7 +4604,7 @@
           <a:ln/>
           <a:extLst>
             <a:ext uri="{91240B29-F687-4f45-9708-019B960494DF}">
-              <a14:hiddenLine xmlns:a14="http://schemas.microsoft.com/office/drawing/2010/main" xmlns="" w="9525">
+              <a14:hiddenLine xmlns="" xmlns:a14="http://schemas.microsoft.com/office/drawing/2010/main" w="9525">
                 <a:solidFill>
                   <a:srgbClr val="000000"/>
                 </a:solidFill>
@@ -4803,7 +4803,7 @@
           <a:p>
             <a:fld id="{DEA6EBF0-8E22-42A7-9BEA-2AC7066E6498}" type="datetimeFigureOut">
               <a:rPr lang="ko-KR" altLang="en-US" smtClean="0"/>
-              <a:t>2023-01-13</a:t>
+              <a:t>2023-09-04</a:t>
             </a:fld>
             <a:endParaRPr lang="ko-KR" altLang="en-US"/>
           </a:p>
@@ -5116,7 +5116,7 @@
           <a:p>
             <a:fld id="{DEA6EBF0-8E22-42A7-9BEA-2AC7066E6498}" type="datetimeFigureOut">
               <a:rPr lang="ko-KR" altLang="en-US" smtClean="0"/>
-              <a:t>2023-01-13</a:t>
+              <a:t>2023-09-04</a:t>
             </a:fld>
             <a:endParaRPr lang="ko-KR" altLang="en-US"/>
           </a:p>
@@ -5386,7 +5386,7 @@
           <a:p>
             <a:fld id="{DEA6EBF0-8E22-42A7-9BEA-2AC7066E6498}" type="datetimeFigureOut">
               <a:rPr lang="ko-KR" altLang="en-US" smtClean="0"/>
-              <a:t>2023-01-13</a:t>
+              <a:t>2023-09-04</a:t>
             </a:fld>
             <a:endParaRPr lang="ko-KR" altLang="en-US"/>
           </a:p>
@@ -7273,7 +7273,7 @@
             <a:pPr algn="ctr"/>
             <a:r>
               <a:rPr lang="en-US" altLang="ko-KR" dirty="0"/>
-              <a:t>../Sample/Lib/tester</a:t>
+              <a:t>Lib/tester</a:t>
             </a:r>
           </a:p>
           <a:p>
@@ -7336,13 +7336,8 @@
             <a:pPr algn="ctr"/>
             <a:r>
               <a:rPr lang="en-US" altLang="ko-KR" dirty="0"/>
-              <a:t>../Sample/Lib</a:t>
-            </a:r>
-            <a:r>
-              <a:rPr lang="en-US" altLang="ko-KR"/>
-              <a:t>/tester</a:t>
-            </a:r>
-            <a:endParaRPr lang="en-US" altLang="ko-KR" dirty="0"/>
+              <a:t>Lib/tester</a:t>
+            </a:r>
           </a:p>
           <a:p>
             <a:pPr algn="ctr"/>

--- a/DsDotNet/src/UnitTest/UnitTest.Model/ImportOfficeExample/ppt/T9_Group.pptx
+++ b/DsDotNet/src/UnitTest/UnitTest.Model/ImportOfficeExample/ppt/T9_Group.pptx
@@ -217,7 +217,7 @@
           <a:p>
             <a:fld id="{DD503887-5801-43A0-AEF9-041E8DDC2558}" type="datetimeFigureOut">
               <a:rPr lang="ko-KR" altLang="en-US" smtClean="0"/>
-              <a:t>2023-09-04</a:t>
+              <a:t>2023-11-05</a:t>
             </a:fld>
             <a:endParaRPr lang="ko-KR" altLang="en-US"/>
           </a:p>
@@ -394,7 +394,7 @@
           <a:p>
             <a:fld id="{95336A0E-57B1-4D4C-BD9B-2F72B5943464}" type="datetimeFigureOut">
               <a:rPr lang="ko-KR" altLang="en-US" smtClean="0"/>
-              <a:t>2023-09-04</a:t>
+              <a:t>2023-11-05</a:t>
             </a:fld>
             <a:endParaRPr lang="ko-KR" altLang="en-US"/>
           </a:p>
@@ -756,7 +756,7 @@
           <a:effectLst/>
           <a:extLst>
             <a:ext uri="{91240B29-F687-4f45-9708-019B960494DF}">
-              <a14:hiddenLine xmlns="" xmlns:a14="http://schemas.microsoft.com/office/drawing/2010/main" w="9525">
+              <a14:hiddenLine xmlns:a14="http://schemas.microsoft.com/office/drawing/2010/main" xmlns="" w="9525">
                 <a:solidFill>
                   <a:srgbClr val="000000"/>
                 </a:solidFill>
@@ -948,7 +948,7 @@
           <a:p>
             <a:fld id="{DEA6EBF0-8E22-42A7-9BEA-2AC7066E6498}" type="datetimeFigureOut">
               <a:rPr lang="ko-KR" altLang="en-US" smtClean="0"/>
-              <a:t>2023-09-04</a:t>
+              <a:t>2023-11-05</a:t>
             </a:fld>
             <a:endParaRPr lang="ko-KR" altLang="en-US"/>
           </a:p>
@@ -1266,7 +1266,7 @@
           <a:p>
             <a:fld id="{DEA6EBF0-8E22-42A7-9BEA-2AC7066E6498}" type="datetimeFigureOut">
               <a:rPr lang="ko-KR" altLang="en-US" smtClean="0"/>
-              <a:t>2023-09-04</a:t>
+              <a:t>2023-11-05</a:t>
             </a:fld>
             <a:endParaRPr lang="ko-KR" altLang="en-US"/>
           </a:p>
@@ -1754,7 +1754,7 @@
           <a:p>
             <a:fld id="{DEA6EBF0-8E22-42A7-9BEA-2AC7066E6498}" type="datetimeFigureOut">
               <a:rPr lang="ko-KR" altLang="en-US" smtClean="0"/>
-              <a:t>2023-09-04</a:t>
+              <a:t>2023-11-05</a:t>
             </a:fld>
             <a:endParaRPr lang="ko-KR" altLang="en-US"/>
           </a:p>
@@ -2123,7 +2123,7 @@
           <a:p>
             <a:fld id="{DEA6EBF0-8E22-42A7-9BEA-2AC7066E6498}" type="datetimeFigureOut">
               <a:rPr lang="ko-KR" altLang="en-US" smtClean="0"/>
-              <a:t>2023-09-04</a:t>
+              <a:t>2023-11-05</a:t>
             </a:fld>
             <a:endParaRPr lang="ko-KR" altLang="en-US"/>
           </a:p>
@@ -2278,7 +2278,7 @@
           <a:ln/>
           <a:extLst>
             <a:ext uri="{91240B29-F687-4f45-9708-019B960494DF}">
-              <a14:hiddenLine xmlns="" xmlns:a14="http://schemas.microsoft.com/office/drawing/2010/main" w="9525">
+              <a14:hiddenLine xmlns:a14="http://schemas.microsoft.com/office/drawing/2010/main" xmlns="" w="9525">
                 <a:solidFill>
                   <a:srgbClr val="000000"/>
                 </a:solidFill>
@@ -2396,7 +2396,7 @@
           <a:p>
             <a:fld id="{DEA6EBF0-8E22-42A7-9BEA-2AC7066E6498}" type="datetimeFigureOut">
               <a:rPr lang="ko-KR" altLang="en-US" smtClean="0"/>
-              <a:t>2023-09-04</a:t>
+              <a:t>2023-11-05</a:t>
             </a:fld>
             <a:endParaRPr lang="ko-KR" altLang="en-US"/>
           </a:p>
@@ -2553,7 +2553,7 @@
           <a:ln/>
           <a:extLst>
             <a:ext uri="{91240B29-F687-4f45-9708-019B960494DF}">
-              <a14:hiddenLine xmlns="" xmlns:a14="http://schemas.microsoft.com/office/drawing/2010/main" w="9525">
+              <a14:hiddenLine xmlns:a14="http://schemas.microsoft.com/office/drawing/2010/main" xmlns="" w="9525">
                 <a:solidFill>
                   <a:srgbClr val="000000"/>
                 </a:solidFill>
@@ -2681,7 +2681,7 @@
           <a:p>
             <a:fld id="{DEA6EBF0-8E22-42A7-9BEA-2AC7066E6498}" type="datetimeFigureOut">
               <a:rPr lang="ko-KR" altLang="en-US" smtClean="0"/>
-              <a:t>2023-09-04</a:t>
+              <a:t>2023-11-05</a:t>
             </a:fld>
             <a:endParaRPr lang="ko-KR" altLang="en-US"/>
           </a:p>
@@ -2799,7 +2799,7 @@
           <a:p>
             <a:fld id="{DEA6EBF0-8E22-42A7-9BEA-2AC7066E6498}" type="datetimeFigureOut">
               <a:rPr lang="ko-KR" altLang="en-US" smtClean="0"/>
-              <a:t>2023-09-04</a:t>
+              <a:t>2023-11-05</a:t>
             </a:fld>
             <a:endParaRPr lang="ko-KR" altLang="en-US"/>
           </a:p>
@@ -2954,7 +2954,7 @@
           <a:ln/>
           <a:extLst>
             <a:ext uri="{91240B29-F687-4f45-9708-019B960494DF}">
-              <a14:hiddenLine xmlns="" xmlns:a14="http://schemas.microsoft.com/office/drawing/2010/main" w="9525">
+              <a14:hiddenLine xmlns:a14="http://schemas.microsoft.com/office/drawing/2010/main" xmlns="" w="9525">
                 <a:solidFill>
                   <a:srgbClr val="000000"/>
                 </a:solidFill>
@@ -3082,7 +3082,7 @@
           <a:p>
             <a:fld id="{DEA6EBF0-8E22-42A7-9BEA-2AC7066E6498}" type="datetimeFigureOut">
               <a:rPr lang="ko-KR" altLang="en-US" smtClean="0"/>
-              <a:t>2023-09-04</a:t>
+              <a:t>2023-11-05</a:t>
             </a:fld>
             <a:endParaRPr lang="ko-KR" altLang="en-US"/>
           </a:p>
@@ -3425,7 +3425,7 @@
           <a:p>
             <a:fld id="{DEA6EBF0-8E22-42A7-9BEA-2AC7066E6498}" type="datetimeFigureOut">
               <a:rPr lang="ko-KR" altLang="en-US" smtClean="0"/>
-              <a:t>2023-09-04</a:t>
+              <a:t>2023-11-05</a:t>
             </a:fld>
             <a:endParaRPr lang="ko-KR" altLang="en-US"/>
           </a:p>
@@ -3580,7 +3580,7 @@
           <a:ln/>
           <a:extLst>
             <a:ext uri="{91240B29-F687-4f45-9708-019B960494DF}">
-              <a14:hiddenLine xmlns="" xmlns:a14="http://schemas.microsoft.com/office/drawing/2010/main" w="9525">
+              <a14:hiddenLine xmlns:a14="http://schemas.microsoft.com/office/drawing/2010/main" xmlns="" w="9525">
                 <a:solidFill>
                   <a:srgbClr val="000000"/>
                 </a:solidFill>
@@ -3764,7 +3764,7 @@
           <a:p>
             <a:fld id="{DEA6EBF0-8E22-42A7-9BEA-2AC7066E6498}" type="datetimeFigureOut">
               <a:rPr lang="ko-KR" altLang="en-US" smtClean="0"/>
-              <a:t>2023-09-04</a:t>
+              <a:t>2023-11-05</a:t>
             </a:fld>
             <a:endParaRPr lang="ko-KR" altLang="en-US"/>
           </a:p>
@@ -3919,7 +3919,7 @@
           <a:ln/>
           <a:extLst>
             <a:ext uri="{91240B29-F687-4f45-9708-019B960494DF}">
-              <a14:hiddenLine xmlns="" xmlns:a14="http://schemas.microsoft.com/office/drawing/2010/main" w="9525">
+              <a14:hiddenLine xmlns:a14="http://schemas.microsoft.com/office/drawing/2010/main" xmlns="" w="9525">
                 <a:solidFill>
                   <a:srgbClr val="000000"/>
                 </a:solidFill>
@@ -4241,7 +4241,7 @@
           <a:p>
             <a:fld id="{DEA6EBF0-8E22-42A7-9BEA-2AC7066E6498}" type="datetimeFigureOut">
               <a:rPr lang="ko-KR" altLang="en-US" smtClean="0"/>
-              <a:t>2023-09-04</a:t>
+              <a:t>2023-11-05</a:t>
             </a:fld>
             <a:endParaRPr lang="ko-KR" altLang="en-US"/>
           </a:p>
@@ -4336,7 +4336,7 @@
           <a:p>
             <a:fld id="{DEA6EBF0-8E22-42A7-9BEA-2AC7066E6498}" type="datetimeFigureOut">
               <a:rPr lang="ko-KR" altLang="en-US" smtClean="0"/>
-              <a:t>2023-09-04</a:t>
+              <a:t>2023-11-05</a:t>
             </a:fld>
             <a:endParaRPr lang="ko-KR" altLang="en-US"/>
           </a:p>
@@ -4604,7 +4604,7 @@
           <a:ln/>
           <a:extLst>
             <a:ext uri="{91240B29-F687-4f45-9708-019B960494DF}">
-              <a14:hiddenLine xmlns="" xmlns:a14="http://schemas.microsoft.com/office/drawing/2010/main" w="9525">
+              <a14:hiddenLine xmlns:a14="http://schemas.microsoft.com/office/drawing/2010/main" xmlns="" w="9525">
                 <a:solidFill>
                   <a:srgbClr val="000000"/>
                 </a:solidFill>
@@ -4803,7 +4803,7 @@
           <a:p>
             <a:fld id="{DEA6EBF0-8E22-42A7-9BEA-2AC7066E6498}" type="datetimeFigureOut">
               <a:rPr lang="ko-KR" altLang="en-US" smtClean="0"/>
-              <a:t>2023-09-04</a:t>
+              <a:t>2023-11-05</a:t>
             </a:fld>
             <a:endParaRPr lang="ko-KR" altLang="en-US"/>
           </a:p>
@@ -5116,7 +5116,7 @@
           <a:p>
             <a:fld id="{DEA6EBF0-8E22-42A7-9BEA-2AC7066E6498}" type="datetimeFigureOut">
               <a:rPr lang="ko-KR" altLang="en-US" smtClean="0"/>
-              <a:t>2023-09-04</a:t>
+              <a:t>2023-11-05</a:t>
             </a:fld>
             <a:endParaRPr lang="ko-KR" altLang="en-US"/>
           </a:p>
@@ -5386,7 +5386,7 @@
           <a:p>
             <a:fld id="{DEA6EBF0-8E22-42A7-9BEA-2AC7066E6498}" type="datetimeFigureOut">
               <a:rPr lang="ko-KR" altLang="en-US" smtClean="0"/>
-              <a:t>2023-09-04</a:t>
+              <a:t>2023-11-05</a:t>
             </a:fld>
             <a:endParaRPr lang="ko-KR" altLang="en-US"/>
           </a:p>
@@ -6856,7 +6856,7 @@
                       <a:pPr algn="ctr"/>
                       <a:r>
                         <a:rPr lang="en-US" altLang="ko-KR" sz="1000" dirty="0"/>
-                        <a:t>$Func2</a:t>
+                        <a:t>.Func2</a:t>
                       </a:r>
                       <a:endParaRPr lang="ko-KR" altLang="en-US" sz="1000" dirty="0"/>
                     </a:p>
@@ -6918,7 +6918,7 @@
                       <a:pPr algn="ctr"/>
                       <a:r>
                         <a:rPr lang="en-US" altLang="ko-KR" sz="900" dirty="0"/>
-                        <a:t>$Func1</a:t>
+                        <a:t>.Func1</a:t>
                       </a:r>
                       <a:endParaRPr lang="ko-KR" altLang="en-US" sz="900" dirty="0"/>
                     </a:p>
@@ -6980,7 +6980,7 @@
                       <a:pPr algn="ctr"/>
                       <a:r>
                         <a:rPr lang="en-US" altLang="ko-KR" sz="1000" dirty="0"/>
-                        <a:t>$Func2</a:t>
+                        <a:t>.Func2</a:t>
                       </a:r>
                       <a:endParaRPr lang="ko-KR" altLang="en-US" sz="1000" dirty="0"/>
                     </a:p>
@@ -7039,7 +7039,7 @@
                   <a:pPr algn="ctr"/>
                   <a:r>
                     <a:rPr lang="en-US" altLang="ko-KR" sz="1000" dirty="0"/>
-                    <a:t>$Func1</a:t>
+                    <a:t>.Func1</a:t>
                   </a:r>
                   <a:endParaRPr lang="ko-KR" altLang="en-US" sz="1000" dirty="0"/>
                 </a:p>

--- a/DsDotNet/src/UnitTest/UnitTest.Model/ImportOfficeExample/ppt/T9_Group.pptx
+++ b/DsDotNet/src/UnitTest/UnitTest.Model/ImportOfficeExample/ppt/T9_Group.pptx
@@ -217,7 +217,7 @@
           <a:p>
             <a:fld id="{DD503887-5801-43A0-AEF9-041E8DDC2558}" type="datetimeFigureOut">
               <a:rPr lang="ko-KR" altLang="en-US" smtClean="0"/>
-              <a:t>2023-11-05</a:t>
+              <a:t>2023-11-12</a:t>
             </a:fld>
             <a:endParaRPr lang="ko-KR" altLang="en-US"/>
           </a:p>
@@ -394,7 +394,7 @@
           <a:p>
             <a:fld id="{95336A0E-57B1-4D4C-BD9B-2F72B5943464}" type="datetimeFigureOut">
               <a:rPr lang="ko-KR" altLang="en-US" smtClean="0"/>
-              <a:t>2023-11-05</a:t>
+              <a:t>2023-11-12</a:t>
             </a:fld>
             <a:endParaRPr lang="ko-KR" altLang="en-US"/>
           </a:p>
@@ -756,7 +756,7 @@
           <a:effectLst/>
           <a:extLst>
             <a:ext uri="{91240B29-F687-4f45-9708-019B960494DF}">
-              <a14:hiddenLine xmlns:a14="http://schemas.microsoft.com/office/drawing/2010/main" xmlns="" w="9525">
+              <a14:hiddenLine xmlns="" xmlns:a14="http://schemas.microsoft.com/office/drawing/2010/main" w="9525">
                 <a:solidFill>
                   <a:srgbClr val="000000"/>
                 </a:solidFill>
@@ -948,7 +948,7 @@
           <a:p>
             <a:fld id="{DEA6EBF0-8E22-42A7-9BEA-2AC7066E6498}" type="datetimeFigureOut">
               <a:rPr lang="ko-KR" altLang="en-US" smtClean="0"/>
-              <a:t>2023-11-05</a:t>
+              <a:t>2023-11-12</a:t>
             </a:fld>
             <a:endParaRPr lang="ko-KR" altLang="en-US"/>
           </a:p>
@@ -1266,7 +1266,7 @@
           <a:p>
             <a:fld id="{DEA6EBF0-8E22-42A7-9BEA-2AC7066E6498}" type="datetimeFigureOut">
               <a:rPr lang="ko-KR" altLang="en-US" smtClean="0"/>
-              <a:t>2023-11-05</a:t>
+              <a:t>2023-11-12</a:t>
             </a:fld>
             <a:endParaRPr lang="ko-KR" altLang="en-US"/>
           </a:p>
@@ -1754,7 +1754,7 @@
           <a:p>
             <a:fld id="{DEA6EBF0-8E22-42A7-9BEA-2AC7066E6498}" type="datetimeFigureOut">
               <a:rPr lang="ko-KR" altLang="en-US" smtClean="0"/>
-              <a:t>2023-11-05</a:t>
+              <a:t>2023-11-12</a:t>
             </a:fld>
             <a:endParaRPr lang="ko-KR" altLang="en-US"/>
           </a:p>
@@ -2123,7 +2123,7 @@
           <a:p>
             <a:fld id="{DEA6EBF0-8E22-42A7-9BEA-2AC7066E6498}" type="datetimeFigureOut">
               <a:rPr lang="ko-KR" altLang="en-US" smtClean="0"/>
-              <a:t>2023-11-05</a:t>
+              <a:t>2023-11-12</a:t>
             </a:fld>
             <a:endParaRPr lang="ko-KR" altLang="en-US"/>
           </a:p>
@@ -2278,7 +2278,7 @@
           <a:ln/>
           <a:extLst>
             <a:ext uri="{91240B29-F687-4f45-9708-019B960494DF}">
-              <a14:hiddenLine xmlns:a14="http://schemas.microsoft.com/office/drawing/2010/main" xmlns="" w="9525">
+              <a14:hiddenLine xmlns="" xmlns:a14="http://schemas.microsoft.com/office/drawing/2010/main" w="9525">
                 <a:solidFill>
                   <a:srgbClr val="000000"/>
                 </a:solidFill>
@@ -2396,7 +2396,7 @@
           <a:p>
             <a:fld id="{DEA6EBF0-8E22-42A7-9BEA-2AC7066E6498}" type="datetimeFigureOut">
               <a:rPr lang="ko-KR" altLang="en-US" smtClean="0"/>
-              <a:t>2023-11-05</a:t>
+              <a:t>2023-11-12</a:t>
             </a:fld>
             <a:endParaRPr lang="ko-KR" altLang="en-US"/>
           </a:p>
@@ -2553,7 +2553,7 @@
           <a:ln/>
           <a:extLst>
             <a:ext uri="{91240B29-F687-4f45-9708-019B960494DF}">
-              <a14:hiddenLine xmlns:a14="http://schemas.microsoft.com/office/drawing/2010/main" xmlns="" w="9525">
+              <a14:hiddenLine xmlns="" xmlns:a14="http://schemas.microsoft.com/office/drawing/2010/main" w="9525">
                 <a:solidFill>
                   <a:srgbClr val="000000"/>
                 </a:solidFill>
@@ -2681,7 +2681,7 @@
           <a:p>
             <a:fld id="{DEA6EBF0-8E22-42A7-9BEA-2AC7066E6498}" type="datetimeFigureOut">
               <a:rPr lang="ko-KR" altLang="en-US" smtClean="0"/>
-              <a:t>2023-11-05</a:t>
+              <a:t>2023-11-12</a:t>
             </a:fld>
             <a:endParaRPr lang="ko-KR" altLang="en-US"/>
           </a:p>
@@ -2799,7 +2799,7 @@
           <a:p>
             <a:fld id="{DEA6EBF0-8E22-42A7-9BEA-2AC7066E6498}" type="datetimeFigureOut">
               <a:rPr lang="ko-KR" altLang="en-US" smtClean="0"/>
-              <a:t>2023-11-05</a:t>
+              <a:t>2023-11-12</a:t>
             </a:fld>
             <a:endParaRPr lang="ko-KR" altLang="en-US"/>
           </a:p>
@@ -2954,7 +2954,7 @@
           <a:ln/>
           <a:extLst>
             <a:ext uri="{91240B29-F687-4f45-9708-019B960494DF}">
-              <a14:hiddenLine xmlns:a14="http://schemas.microsoft.com/office/drawing/2010/main" xmlns="" w="9525">
+              <a14:hiddenLine xmlns="" xmlns:a14="http://schemas.microsoft.com/office/drawing/2010/main" w="9525">
                 <a:solidFill>
                   <a:srgbClr val="000000"/>
                 </a:solidFill>
@@ -3082,7 +3082,7 @@
           <a:p>
             <a:fld id="{DEA6EBF0-8E22-42A7-9BEA-2AC7066E6498}" type="datetimeFigureOut">
               <a:rPr lang="ko-KR" altLang="en-US" smtClean="0"/>
-              <a:t>2023-11-05</a:t>
+              <a:t>2023-11-12</a:t>
             </a:fld>
             <a:endParaRPr lang="ko-KR" altLang="en-US"/>
           </a:p>
@@ -3425,7 +3425,7 @@
           <a:p>
             <a:fld id="{DEA6EBF0-8E22-42A7-9BEA-2AC7066E6498}" type="datetimeFigureOut">
               <a:rPr lang="ko-KR" altLang="en-US" smtClean="0"/>
-              <a:t>2023-11-05</a:t>
+              <a:t>2023-11-12</a:t>
             </a:fld>
             <a:endParaRPr lang="ko-KR" altLang="en-US"/>
           </a:p>
@@ -3580,7 +3580,7 @@
           <a:ln/>
           <a:extLst>
             <a:ext uri="{91240B29-F687-4f45-9708-019B960494DF}">
-              <a14:hiddenLine xmlns:a14="http://schemas.microsoft.com/office/drawing/2010/main" xmlns="" w="9525">
+              <a14:hiddenLine xmlns="" xmlns:a14="http://schemas.microsoft.com/office/drawing/2010/main" w="9525">
                 <a:solidFill>
                   <a:srgbClr val="000000"/>
                 </a:solidFill>
@@ -3764,7 +3764,7 @@
           <a:p>
             <a:fld id="{DEA6EBF0-8E22-42A7-9BEA-2AC7066E6498}" type="datetimeFigureOut">
               <a:rPr lang="ko-KR" altLang="en-US" smtClean="0"/>
-              <a:t>2023-11-05</a:t>
+              <a:t>2023-11-12</a:t>
             </a:fld>
             <a:endParaRPr lang="ko-KR" altLang="en-US"/>
           </a:p>
@@ -3919,7 +3919,7 @@
           <a:ln/>
           <a:extLst>
             <a:ext uri="{91240B29-F687-4f45-9708-019B960494DF}">
-              <a14:hiddenLine xmlns:a14="http://schemas.microsoft.com/office/drawing/2010/main" xmlns="" w="9525">
+              <a14:hiddenLine xmlns="" xmlns:a14="http://schemas.microsoft.com/office/drawing/2010/main" w="9525">
                 <a:solidFill>
                   <a:srgbClr val="000000"/>
                 </a:solidFill>
@@ -4241,7 +4241,7 @@
           <a:p>
             <a:fld id="{DEA6EBF0-8E22-42A7-9BEA-2AC7066E6498}" type="datetimeFigureOut">
               <a:rPr lang="ko-KR" altLang="en-US" smtClean="0"/>
-              <a:t>2023-11-05</a:t>
+              <a:t>2023-11-12</a:t>
             </a:fld>
             <a:endParaRPr lang="ko-KR" altLang="en-US"/>
           </a:p>
@@ -4336,7 +4336,7 @@
           <a:p>
             <a:fld id="{DEA6EBF0-8E22-42A7-9BEA-2AC7066E6498}" type="datetimeFigureOut">
               <a:rPr lang="ko-KR" altLang="en-US" smtClean="0"/>
-              <a:t>2023-11-05</a:t>
+              <a:t>2023-11-12</a:t>
             </a:fld>
             <a:endParaRPr lang="ko-KR" altLang="en-US"/>
           </a:p>
@@ -4604,7 +4604,7 @@
           <a:ln/>
           <a:extLst>
             <a:ext uri="{91240B29-F687-4f45-9708-019B960494DF}">
-              <a14:hiddenLine xmlns:a14="http://schemas.microsoft.com/office/drawing/2010/main" xmlns="" w="9525">
+              <a14:hiddenLine xmlns="" xmlns:a14="http://schemas.microsoft.com/office/drawing/2010/main" w="9525">
                 <a:solidFill>
                   <a:srgbClr val="000000"/>
                 </a:solidFill>
@@ -4803,7 +4803,7 @@
           <a:p>
             <a:fld id="{DEA6EBF0-8E22-42A7-9BEA-2AC7066E6498}" type="datetimeFigureOut">
               <a:rPr lang="ko-KR" altLang="en-US" smtClean="0"/>
-              <a:t>2023-11-05</a:t>
+              <a:t>2023-11-12</a:t>
             </a:fld>
             <a:endParaRPr lang="ko-KR" altLang="en-US"/>
           </a:p>
@@ -5116,7 +5116,7 @@
           <a:p>
             <a:fld id="{DEA6EBF0-8E22-42A7-9BEA-2AC7066E6498}" type="datetimeFigureOut">
               <a:rPr lang="ko-KR" altLang="en-US" smtClean="0"/>
-              <a:t>2023-11-05</a:t>
+              <a:t>2023-11-12</a:t>
             </a:fld>
             <a:endParaRPr lang="ko-KR" altLang="en-US"/>
           </a:p>
@@ -5386,7 +5386,7 @@
           <a:p>
             <a:fld id="{DEA6EBF0-8E22-42A7-9BEA-2AC7066E6498}" type="datetimeFigureOut">
               <a:rPr lang="ko-KR" altLang="en-US" smtClean="0"/>
-              <a:t>2023-11-05</a:t>
+              <a:t>2023-11-12</a:t>
             </a:fld>
             <a:endParaRPr lang="ko-KR" altLang="en-US"/>
           </a:p>
@@ -7272,8 +7272,19 @@
           <a:p>
             <a:pPr algn="ctr"/>
             <a:r>
+              <a:rPr lang="en-US" altLang="ko-KR" sz="1800" dirty="0"/>
+              <a:t>../Sample</a:t>
+            </a:r>
+          </a:p>
+          <a:p>
+            <a:pPr algn="ctr"/>
+            <a:r>
+              <a:rPr lang="en-US" altLang="ko-KR" sz="1800" dirty="0"/>
+              <a:t>/Lib</a:t>
+            </a:r>
+            <a:r>
               <a:rPr lang="en-US" altLang="ko-KR" dirty="0"/>
-              <a:t>Lib/tester</a:t>
+              <a:t>/tester</a:t>
             </a:r>
           </a:p>
           <a:p>
@@ -7335,8 +7346,19 @@
           <a:p>
             <a:pPr algn="ctr"/>
             <a:r>
+              <a:rPr lang="en-US" altLang="ko-KR" sz="1800" dirty="0"/>
+              <a:t>../Sample</a:t>
+            </a:r>
+          </a:p>
+          <a:p>
+            <a:pPr algn="ctr"/>
+            <a:r>
+              <a:rPr lang="en-US" altLang="ko-KR" sz="1800" dirty="0"/>
+              <a:t>/Lib</a:t>
+            </a:r>
+            <a:r>
               <a:rPr lang="en-US" altLang="ko-KR" dirty="0"/>
-              <a:t>Lib/tester</a:t>
+              <a:t>/tester</a:t>
             </a:r>
           </a:p>
           <a:p>

--- a/DsDotNet/src/UnitTest/UnitTest.Model/ImportOfficeExample/ppt/T9_Group.pptx
+++ b/DsDotNet/src/UnitTest/UnitTest.Model/ImportOfficeExample/ppt/T9_Group.pptx
@@ -217,7 +217,7 @@
           <a:p>
             <a:fld id="{DD503887-5801-43A0-AEF9-041E8DDC2558}" type="datetimeFigureOut">
               <a:rPr lang="ko-KR" altLang="en-US" smtClean="0"/>
-              <a:t>2023-11-12</a:t>
+              <a:t>2024-03-13</a:t>
             </a:fld>
             <a:endParaRPr lang="ko-KR" altLang="en-US"/>
           </a:p>
@@ -394,7 +394,7 @@
           <a:p>
             <a:fld id="{95336A0E-57B1-4D4C-BD9B-2F72B5943464}" type="datetimeFigureOut">
               <a:rPr lang="ko-KR" altLang="en-US" smtClean="0"/>
-              <a:t>2023-11-12</a:t>
+              <a:t>2024-03-13</a:t>
             </a:fld>
             <a:endParaRPr lang="ko-KR" altLang="en-US"/>
           </a:p>
@@ -756,7 +756,7 @@
           <a:effectLst/>
           <a:extLst>
             <a:ext uri="{91240B29-F687-4f45-9708-019B960494DF}">
-              <a14:hiddenLine xmlns="" xmlns:a14="http://schemas.microsoft.com/office/drawing/2010/main" w="9525">
+              <a14:hiddenLine xmlns:a14="http://schemas.microsoft.com/office/drawing/2010/main" xmlns="" w="9525">
                 <a:solidFill>
                   <a:srgbClr val="000000"/>
                 </a:solidFill>
@@ -948,7 +948,7 @@
           <a:p>
             <a:fld id="{DEA6EBF0-8E22-42A7-9BEA-2AC7066E6498}" type="datetimeFigureOut">
               <a:rPr lang="ko-KR" altLang="en-US" smtClean="0"/>
-              <a:t>2023-11-12</a:t>
+              <a:t>2024-03-13</a:t>
             </a:fld>
             <a:endParaRPr lang="ko-KR" altLang="en-US"/>
           </a:p>
@@ -1266,7 +1266,7 @@
           <a:p>
             <a:fld id="{DEA6EBF0-8E22-42A7-9BEA-2AC7066E6498}" type="datetimeFigureOut">
               <a:rPr lang="ko-KR" altLang="en-US" smtClean="0"/>
-              <a:t>2023-11-12</a:t>
+              <a:t>2024-03-13</a:t>
             </a:fld>
             <a:endParaRPr lang="ko-KR" altLang="en-US"/>
           </a:p>
@@ -1754,7 +1754,7 @@
           <a:p>
             <a:fld id="{DEA6EBF0-8E22-42A7-9BEA-2AC7066E6498}" type="datetimeFigureOut">
               <a:rPr lang="ko-KR" altLang="en-US" smtClean="0"/>
-              <a:t>2023-11-12</a:t>
+              <a:t>2024-03-13</a:t>
             </a:fld>
             <a:endParaRPr lang="ko-KR" altLang="en-US"/>
           </a:p>
@@ -2123,7 +2123,7 @@
           <a:p>
             <a:fld id="{DEA6EBF0-8E22-42A7-9BEA-2AC7066E6498}" type="datetimeFigureOut">
               <a:rPr lang="ko-KR" altLang="en-US" smtClean="0"/>
-              <a:t>2023-11-12</a:t>
+              <a:t>2024-03-13</a:t>
             </a:fld>
             <a:endParaRPr lang="ko-KR" altLang="en-US"/>
           </a:p>
@@ -2278,7 +2278,7 @@
           <a:ln/>
           <a:extLst>
             <a:ext uri="{91240B29-F687-4f45-9708-019B960494DF}">
-              <a14:hiddenLine xmlns="" xmlns:a14="http://schemas.microsoft.com/office/drawing/2010/main" w="9525">
+              <a14:hiddenLine xmlns:a14="http://schemas.microsoft.com/office/drawing/2010/main" xmlns="" w="9525">
                 <a:solidFill>
                   <a:srgbClr val="000000"/>
                 </a:solidFill>
@@ -2396,7 +2396,7 @@
           <a:p>
             <a:fld id="{DEA6EBF0-8E22-42A7-9BEA-2AC7066E6498}" type="datetimeFigureOut">
               <a:rPr lang="ko-KR" altLang="en-US" smtClean="0"/>
-              <a:t>2023-11-12</a:t>
+              <a:t>2024-03-13</a:t>
             </a:fld>
             <a:endParaRPr lang="ko-KR" altLang="en-US"/>
           </a:p>
@@ -2553,7 +2553,7 @@
           <a:ln/>
           <a:extLst>
             <a:ext uri="{91240B29-F687-4f45-9708-019B960494DF}">
-              <a14:hiddenLine xmlns="" xmlns:a14="http://schemas.microsoft.com/office/drawing/2010/main" w="9525">
+              <a14:hiddenLine xmlns:a14="http://schemas.microsoft.com/office/drawing/2010/main" xmlns="" w="9525">
                 <a:solidFill>
                   <a:srgbClr val="000000"/>
                 </a:solidFill>
@@ -2681,7 +2681,7 @@
           <a:p>
             <a:fld id="{DEA6EBF0-8E22-42A7-9BEA-2AC7066E6498}" type="datetimeFigureOut">
               <a:rPr lang="ko-KR" altLang="en-US" smtClean="0"/>
-              <a:t>2023-11-12</a:t>
+              <a:t>2024-03-13</a:t>
             </a:fld>
             <a:endParaRPr lang="ko-KR" altLang="en-US"/>
           </a:p>
@@ -2799,7 +2799,7 @@
           <a:p>
             <a:fld id="{DEA6EBF0-8E22-42A7-9BEA-2AC7066E6498}" type="datetimeFigureOut">
               <a:rPr lang="ko-KR" altLang="en-US" smtClean="0"/>
-              <a:t>2023-11-12</a:t>
+              <a:t>2024-03-13</a:t>
             </a:fld>
             <a:endParaRPr lang="ko-KR" altLang="en-US"/>
           </a:p>
@@ -2954,7 +2954,7 @@
           <a:ln/>
           <a:extLst>
             <a:ext uri="{91240B29-F687-4f45-9708-019B960494DF}">
-              <a14:hiddenLine xmlns="" xmlns:a14="http://schemas.microsoft.com/office/drawing/2010/main" w="9525">
+              <a14:hiddenLine xmlns:a14="http://schemas.microsoft.com/office/drawing/2010/main" xmlns="" w="9525">
                 <a:solidFill>
                   <a:srgbClr val="000000"/>
                 </a:solidFill>
@@ -3082,7 +3082,7 @@
           <a:p>
             <a:fld id="{DEA6EBF0-8E22-42A7-9BEA-2AC7066E6498}" type="datetimeFigureOut">
               <a:rPr lang="ko-KR" altLang="en-US" smtClean="0"/>
-              <a:t>2023-11-12</a:t>
+              <a:t>2024-03-13</a:t>
             </a:fld>
             <a:endParaRPr lang="ko-KR" altLang="en-US"/>
           </a:p>
@@ -3425,7 +3425,7 @@
           <a:p>
             <a:fld id="{DEA6EBF0-8E22-42A7-9BEA-2AC7066E6498}" type="datetimeFigureOut">
               <a:rPr lang="ko-KR" altLang="en-US" smtClean="0"/>
-              <a:t>2023-11-12</a:t>
+              <a:t>2024-03-13</a:t>
             </a:fld>
             <a:endParaRPr lang="ko-KR" altLang="en-US"/>
           </a:p>
@@ -3580,7 +3580,7 @@
           <a:ln/>
           <a:extLst>
             <a:ext uri="{91240B29-F687-4f45-9708-019B960494DF}">
-              <a14:hiddenLine xmlns="" xmlns:a14="http://schemas.microsoft.com/office/drawing/2010/main" w="9525">
+              <a14:hiddenLine xmlns:a14="http://schemas.microsoft.com/office/drawing/2010/main" xmlns="" w="9525">
                 <a:solidFill>
                   <a:srgbClr val="000000"/>
                 </a:solidFill>
@@ -3764,7 +3764,7 @@
           <a:p>
             <a:fld id="{DEA6EBF0-8E22-42A7-9BEA-2AC7066E6498}" type="datetimeFigureOut">
               <a:rPr lang="ko-KR" altLang="en-US" smtClean="0"/>
-              <a:t>2023-11-12</a:t>
+              <a:t>2024-03-13</a:t>
             </a:fld>
             <a:endParaRPr lang="ko-KR" altLang="en-US"/>
           </a:p>
@@ -3919,7 +3919,7 @@
           <a:ln/>
           <a:extLst>
             <a:ext uri="{91240B29-F687-4f45-9708-019B960494DF}">
-              <a14:hiddenLine xmlns="" xmlns:a14="http://schemas.microsoft.com/office/drawing/2010/main" w="9525">
+              <a14:hiddenLine xmlns:a14="http://schemas.microsoft.com/office/drawing/2010/main" xmlns="" w="9525">
                 <a:solidFill>
                   <a:srgbClr val="000000"/>
                 </a:solidFill>
@@ -4241,7 +4241,7 @@
           <a:p>
             <a:fld id="{DEA6EBF0-8E22-42A7-9BEA-2AC7066E6498}" type="datetimeFigureOut">
               <a:rPr lang="ko-KR" altLang="en-US" smtClean="0"/>
-              <a:t>2023-11-12</a:t>
+              <a:t>2024-03-13</a:t>
             </a:fld>
             <a:endParaRPr lang="ko-KR" altLang="en-US"/>
           </a:p>
@@ -4336,7 +4336,7 @@
           <a:p>
             <a:fld id="{DEA6EBF0-8E22-42A7-9BEA-2AC7066E6498}" type="datetimeFigureOut">
               <a:rPr lang="ko-KR" altLang="en-US" smtClean="0"/>
-              <a:t>2023-11-12</a:t>
+              <a:t>2024-03-13</a:t>
             </a:fld>
             <a:endParaRPr lang="ko-KR" altLang="en-US"/>
           </a:p>
@@ -4604,7 +4604,7 @@
           <a:ln/>
           <a:extLst>
             <a:ext uri="{91240B29-F687-4f45-9708-019B960494DF}">
-              <a14:hiddenLine xmlns="" xmlns:a14="http://schemas.microsoft.com/office/drawing/2010/main" w="9525">
+              <a14:hiddenLine xmlns:a14="http://schemas.microsoft.com/office/drawing/2010/main" xmlns="" w="9525">
                 <a:solidFill>
                   <a:srgbClr val="000000"/>
                 </a:solidFill>
@@ -4803,7 +4803,7 @@
           <a:p>
             <a:fld id="{DEA6EBF0-8E22-42A7-9BEA-2AC7066E6498}" type="datetimeFigureOut">
               <a:rPr lang="ko-KR" altLang="en-US" smtClean="0"/>
-              <a:t>2023-11-12</a:t>
+              <a:t>2024-03-13</a:t>
             </a:fld>
             <a:endParaRPr lang="ko-KR" altLang="en-US"/>
           </a:p>
@@ -5116,7 +5116,7 @@
           <a:p>
             <a:fld id="{DEA6EBF0-8E22-42A7-9BEA-2AC7066E6498}" type="datetimeFigureOut">
               <a:rPr lang="ko-KR" altLang="en-US" smtClean="0"/>
-              <a:t>2023-11-12</a:t>
+              <a:t>2024-03-13</a:t>
             </a:fld>
             <a:endParaRPr lang="ko-KR" altLang="en-US"/>
           </a:p>
@@ -5386,7 +5386,7 @@
           <a:p>
             <a:fld id="{DEA6EBF0-8E22-42A7-9BEA-2AC7066E6498}" type="datetimeFigureOut">
               <a:rPr lang="ko-KR" altLang="en-US" smtClean="0"/>
-              <a:t>2023-11-12</a:t>
+              <a:t>2024-03-13</a:t>
             </a:fld>
             <a:endParaRPr lang="ko-KR" altLang="en-US"/>
           </a:p>
@@ -5858,7 +5858,7 @@
           <a:p>
             <a:r>
               <a:rPr lang="en-US" altLang="ko-KR" dirty="0"/>
-              <a:t>Unit Test</a:t>
+              <a:t>T9_Group</a:t>
             </a:r>
             <a:endParaRPr lang="ko-KR" altLang="en-US" dirty="0"/>
           </a:p>

--- a/DsDotNet/src/UnitTest/UnitTest.Model/ImportOfficeExample/ppt/T9_Group.pptx
+++ b/DsDotNet/src/UnitTest/UnitTest.Model/ImportOfficeExample/ppt/T9_Group.pptx
@@ -756,7 +756,7 @@
           <a:effectLst/>
           <a:extLst>
             <a:ext uri="{91240B29-F687-4f45-9708-019B960494DF}">
-              <a14:hiddenLine xmlns:a14="http://schemas.microsoft.com/office/drawing/2010/main" xmlns="" w="9525">
+              <a14:hiddenLine xmlns="" xmlns:a14="http://schemas.microsoft.com/office/drawing/2010/main" w="9525">
                 <a:solidFill>
                   <a:srgbClr val="000000"/>
                 </a:solidFill>
@@ -2278,7 +2278,7 @@
           <a:ln/>
           <a:extLst>
             <a:ext uri="{91240B29-F687-4f45-9708-019B960494DF}">
-              <a14:hiddenLine xmlns:a14="http://schemas.microsoft.com/office/drawing/2010/main" xmlns="" w="9525">
+              <a14:hiddenLine xmlns="" xmlns:a14="http://schemas.microsoft.com/office/drawing/2010/main" w="9525">
                 <a:solidFill>
                   <a:srgbClr val="000000"/>
                 </a:solidFill>
@@ -2553,7 +2553,7 @@
           <a:ln/>
           <a:extLst>
             <a:ext uri="{91240B29-F687-4f45-9708-019B960494DF}">
-              <a14:hiddenLine xmlns:a14="http://schemas.microsoft.com/office/drawing/2010/main" xmlns="" w="9525">
+              <a14:hiddenLine xmlns="" xmlns:a14="http://schemas.microsoft.com/office/drawing/2010/main" w="9525">
                 <a:solidFill>
                   <a:srgbClr val="000000"/>
                 </a:solidFill>
@@ -2954,7 +2954,7 @@
           <a:ln/>
           <a:extLst>
             <a:ext uri="{91240B29-F687-4f45-9708-019B960494DF}">
-              <a14:hiddenLine xmlns:a14="http://schemas.microsoft.com/office/drawing/2010/main" xmlns="" w="9525">
+              <a14:hiddenLine xmlns="" xmlns:a14="http://schemas.microsoft.com/office/drawing/2010/main" w="9525">
                 <a:solidFill>
                   <a:srgbClr val="000000"/>
                 </a:solidFill>
@@ -3580,7 +3580,7 @@
           <a:ln/>
           <a:extLst>
             <a:ext uri="{91240B29-F687-4f45-9708-019B960494DF}">
-              <a14:hiddenLine xmlns:a14="http://schemas.microsoft.com/office/drawing/2010/main" xmlns="" w="9525">
+              <a14:hiddenLine xmlns="" xmlns:a14="http://schemas.microsoft.com/office/drawing/2010/main" w="9525">
                 <a:solidFill>
                   <a:srgbClr val="000000"/>
                 </a:solidFill>
@@ -3919,7 +3919,7 @@
           <a:ln/>
           <a:extLst>
             <a:ext uri="{91240B29-F687-4f45-9708-019B960494DF}">
-              <a14:hiddenLine xmlns:a14="http://schemas.microsoft.com/office/drawing/2010/main" xmlns="" w="9525">
+              <a14:hiddenLine xmlns="" xmlns:a14="http://schemas.microsoft.com/office/drawing/2010/main" w="9525">
                 <a:solidFill>
                   <a:srgbClr val="000000"/>
                 </a:solidFill>
@@ -4604,7 +4604,7 @@
           <a:ln/>
           <a:extLst>
             <a:ext uri="{91240B29-F687-4f45-9708-019B960494DF}">
-              <a14:hiddenLine xmlns:a14="http://schemas.microsoft.com/office/drawing/2010/main" xmlns="" w="9525">
+              <a14:hiddenLine xmlns="" xmlns:a14="http://schemas.microsoft.com/office/drawing/2010/main" w="9525">
                 <a:solidFill>
                   <a:srgbClr val="000000"/>
                 </a:solidFill>
@@ -6638,10 +6638,10 @@
       </p:sp>
       <p:grpSp>
         <p:nvGrpSpPr>
-          <p:cNvPr id="12" name="그룹 11">
+          <p:cNvPr id="14" name="그룹 13">
             <a:extLst>
               <a:ext uri="{FF2B5EF4-FFF2-40B4-BE49-F238E27FC236}">
-                <a16:creationId xmlns:a16="http://schemas.microsoft.com/office/drawing/2014/main" id="{28F1E749-B7AF-5D5F-B20D-DFE5E966619C}"/>
+                <a16:creationId xmlns:a16="http://schemas.microsoft.com/office/drawing/2014/main" id="{4E53E08E-2A75-B991-3B19-8D597AEF3D47}"/>
               </a:ext>
             </a:extLst>
           </p:cNvPr>
@@ -6652,444 +6652,360 @@
           <a:xfrm>
             <a:off x="1118260" y="2419498"/>
             <a:ext cx="4313815" cy="2743200"/>
-            <a:chOff x="1393474" y="3016398"/>
+            <a:chOff x="1118260" y="2419498"/>
             <a:chExt cx="4313815" cy="2743200"/>
           </a:xfrm>
         </p:grpSpPr>
-        <p:grpSp>
-          <p:nvGrpSpPr>
-            <p:cNvPr id="85" name="그룹 84">
+        <p:sp>
+          <p:nvSpPr>
+            <p:cNvPr id="29" name="직사각형 28">
               <a:extLst>
                 <a:ext uri="{FF2B5EF4-FFF2-40B4-BE49-F238E27FC236}">
-                  <a16:creationId xmlns:a16="http://schemas.microsoft.com/office/drawing/2014/main" id="{2D890ED7-C516-89CA-9C90-1843AD20DD18}"/>
+                  <a16:creationId xmlns:a16="http://schemas.microsoft.com/office/drawing/2014/main" id="{42C05E87-EB35-E538-CC97-7625C2644ADD}"/>
                 </a:ext>
               </a:extLst>
             </p:cNvPr>
-            <p:cNvGrpSpPr/>
+            <p:cNvSpPr/>
             <p:nvPr/>
-          </p:nvGrpSpPr>
-          <p:grpSpPr>
+          </p:nvSpPr>
+          <p:spPr>
             <a:xfrm>
-              <a:off x="1393474" y="3016398"/>
+              <a:off x="1118260" y="2419498"/>
               <a:ext cx="4313815" cy="2743200"/>
-              <a:chOff x="1393474" y="3016398"/>
-              <a:chExt cx="4313815" cy="2743200"/>
             </a:xfrm>
-          </p:grpSpPr>
-          <p:grpSp>
-            <p:nvGrpSpPr>
-              <p:cNvPr id="6" name="그룹 5">
-                <a:extLst>
-                  <a:ext uri="{FF2B5EF4-FFF2-40B4-BE49-F238E27FC236}">
-                    <a16:creationId xmlns:a16="http://schemas.microsoft.com/office/drawing/2014/main" id="{38FAFB92-6594-BE15-75B9-9A824E260EB2}"/>
-                  </a:ext>
-                </a:extLst>
-              </p:cNvPr>
-              <p:cNvGrpSpPr/>
-              <p:nvPr/>
-            </p:nvGrpSpPr>
-            <p:grpSpPr>
-              <a:xfrm>
-                <a:off x="1393474" y="3016398"/>
-                <a:ext cx="4313815" cy="2743200"/>
-                <a:chOff x="1291312" y="2500236"/>
-                <a:chExt cx="9336108" cy="3590925"/>
-              </a:xfrm>
-            </p:grpSpPr>
-            <p:grpSp>
-              <p:nvGrpSpPr>
-                <p:cNvPr id="13" name="그룹 12">
-                  <a:extLst>
-                    <a:ext uri="{FF2B5EF4-FFF2-40B4-BE49-F238E27FC236}">
-                      <a16:creationId xmlns:a16="http://schemas.microsoft.com/office/drawing/2014/main" id="{68273779-0907-B61E-CB28-7C3235EA2C81}"/>
-                    </a:ext>
-                  </a:extLst>
-                </p:cNvPr>
-                <p:cNvGrpSpPr/>
-                <p:nvPr/>
-              </p:nvGrpSpPr>
-              <p:grpSpPr>
-                <a:xfrm>
-                  <a:off x="1291312" y="2500236"/>
-                  <a:ext cx="9336108" cy="3590925"/>
-                  <a:chOff x="1291312" y="2500236"/>
-                  <a:chExt cx="9336108" cy="3590925"/>
-                </a:xfrm>
-              </p:grpSpPr>
-              <p:sp>
-                <p:nvSpPr>
-                  <p:cNvPr id="29" name="직사각형 28">
-                    <a:extLst>
-                      <a:ext uri="{FF2B5EF4-FFF2-40B4-BE49-F238E27FC236}">
-                        <a16:creationId xmlns:a16="http://schemas.microsoft.com/office/drawing/2014/main" id="{42C05E87-EB35-E538-CC97-7625C2644ADD}"/>
-                      </a:ext>
-                    </a:extLst>
-                  </p:cNvPr>
-                  <p:cNvSpPr/>
-                  <p:nvPr/>
-                </p:nvSpPr>
-                <p:spPr>
-                  <a:xfrm>
-                    <a:off x="1291312" y="2500236"/>
-                    <a:ext cx="9336108" cy="3590925"/>
-                  </a:xfrm>
-                  <a:prstGeom prst="rect">
-                    <a:avLst/>
-                  </a:prstGeom>
+            <a:prstGeom prst="rect">
+              <a:avLst/>
+            </a:prstGeom>
+            <a:solidFill>
+              <a:schemeClr val="accent4">
+                <a:alpha val="50000"/>
+              </a:schemeClr>
+            </a:solidFill>
+            <a:ln>
+              <a:noFill/>
+            </a:ln>
+          </p:spPr>
+          <p:style>
+            <a:lnRef idx="0">
+              <a:scrgbClr r="0" g="0" b="0"/>
+            </a:lnRef>
+            <a:fillRef idx="0">
+              <a:scrgbClr r="0" g="0" b="0"/>
+            </a:fillRef>
+            <a:effectRef idx="0">
+              <a:scrgbClr r="0" g="0" b="0"/>
+            </a:effectRef>
+            <a:fontRef idx="minor">
+              <a:schemeClr val="lt1"/>
+            </a:fontRef>
+          </p:style>
+          <p:txBody>
+            <a:bodyPr rtlCol="0" anchor="t"/>
+            <a:lstStyle/>
+            <a:p>
+              <a:pPr algn="ctr"/>
+              <a:r>
+                <a:rPr lang="en-US" altLang="ko-KR" sz="1100" dirty="0">
                   <a:solidFill>
-                    <a:schemeClr val="accent4">
-                      <a:alpha val="50000"/>
-                    </a:schemeClr>
+                    <a:schemeClr val="tx1"/>
                   </a:solidFill>
-                  <a:ln>
-                    <a:noFill/>
-                  </a:ln>
-                </p:spPr>
-                <p:style>
-                  <a:lnRef idx="0">
-                    <a:scrgbClr r="0" g="0" b="0"/>
-                  </a:lnRef>
-                  <a:fillRef idx="0">
-                    <a:scrgbClr r="0" g="0" b="0"/>
-                  </a:fillRef>
-                  <a:effectRef idx="0">
-                    <a:scrgbClr r="0" g="0" b="0"/>
-                  </a:effectRef>
-                  <a:fontRef idx="minor">
-                    <a:schemeClr val="lt1"/>
-                  </a:fontRef>
-                </p:style>
-                <p:txBody>
-                  <a:bodyPr rtlCol="0" anchor="t"/>
-                  <a:lstStyle/>
-                  <a:p>
-                    <a:pPr algn="ctr"/>
-                    <a:r>
-                      <a:rPr lang="en-US" altLang="ko-KR" sz="1100" dirty="0">
-                        <a:solidFill>
-                          <a:schemeClr val="tx1"/>
-                        </a:solidFill>
-                      </a:rPr>
-                      <a:t>R1</a:t>
-                    </a:r>
-                    <a:endParaRPr lang="ko-KR" altLang="en-US" sz="600" dirty="0">
-                      <a:solidFill>
-                        <a:schemeClr val="tx1"/>
-                      </a:solidFill>
-                    </a:endParaRPr>
-                  </a:p>
-                </p:txBody>
-              </p:sp>
-              <p:grpSp>
-                <p:nvGrpSpPr>
-                  <p:cNvPr id="31" name="그룹 30">
-                    <a:extLst>
-                      <a:ext uri="{FF2B5EF4-FFF2-40B4-BE49-F238E27FC236}">
-                        <a16:creationId xmlns:a16="http://schemas.microsoft.com/office/drawing/2014/main" id="{BADDBE08-ABD4-230C-B560-729A8A147A38}"/>
-                      </a:ext>
-                    </a:extLst>
-                  </p:cNvPr>
-                  <p:cNvGrpSpPr/>
-                  <p:nvPr/>
-                </p:nvGrpSpPr>
-                <p:grpSpPr>
-                  <a:xfrm>
-                    <a:off x="2115278" y="2903389"/>
-                    <a:ext cx="7822837" cy="2657055"/>
-                    <a:chOff x="2115278" y="2903389"/>
-                    <a:chExt cx="7822837" cy="2657055"/>
-                  </a:xfrm>
-                </p:grpSpPr>
-                <p:sp>
-                  <p:nvSpPr>
-                    <p:cNvPr id="36" name="타원 35">
-                      <a:extLst>
-                        <a:ext uri="{FF2B5EF4-FFF2-40B4-BE49-F238E27FC236}">
-                          <a16:creationId xmlns:a16="http://schemas.microsoft.com/office/drawing/2014/main" id="{754D0C0D-93B9-1942-CAD1-61DF85B607AC}"/>
-                        </a:ext>
-                      </a:extLst>
-                    </p:cNvPr>
-                    <p:cNvSpPr/>
-                    <p:nvPr/>
-                  </p:nvSpPr>
-                  <p:spPr>
-                    <a:xfrm>
-                      <a:off x="2115278" y="4301646"/>
-                      <a:ext cx="2424718" cy="839199"/>
-                    </a:xfrm>
-                    <a:prstGeom prst="ellipse">
-                      <a:avLst/>
-                    </a:prstGeom>
-                    <a:ln>
-                      <a:solidFill>
-                        <a:schemeClr val="accent1"/>
-                      </a:solidFill>
-                    </a:ln>
-                  </p:spPr>
-                  <p:style>
-                    <a:lnRef idx="2">
-                      <a:schemeClr val="accent1">
-                        <a:shade val="50000"/>
-                      </a:schemeClr>
-                    </a:lnRef>
-                    <a:fillRef idx="1">
-                      <a:schemeClr val="accent1"/>
-                    </a:fillRef>
-                    <a:effectRef idx="0">
-                      <a:schemeClr val="accent1"/>
-                    </a:effectRef>
-                    <a:fontRef idx="minor">
-                      <a:schemeClr val="lt1"/>
-                    </a:fontRef>
-                  </p:style>
-                  <p:txBody>
-                    <a:bodyPr rtlCol="0" anchor="ctr"/>
-                    <a:lstStyle/>
-                    <a:p>
-                      <a:pPr algn="ctr"/>
-                      <a:r>
-                        <a:rPr lang="en-US" altLang="ko-KR" sz="1000" dirty="0"/>
-                        <a:t>SysA</a:t>
-                      </a:r>
-                    </a:p>
-                    <a:p>
-                      <a:pPr algn="ctr"/>
-                      <a:r>
-                        <a:rPr lang="en-US" altLang="ko-KR" sz="1000" dirty="0"/>
-                        <a:t>.Func2</a:t>
-                      </a:r>
-                      <a:endParaRPr lang="ko-KR" altLang="en-US" sz="1000" dirty="0"/>
-                    </a:p>
-                  </p:txBody>
-                </p:sp>
-                <p:sp>
-                  <p:nvSpPr>
-                    <p:cNvPr id="37" name="타원 36">
-                      <a:extLst>
-                        <a:ext uri="{FF2B5EF4-FFF2-40B4-BE49-F238E27FC236}">
-                          <a16:creationId xmlns:a16="http://schemas.microsoft.com/office/drawing/2014/main" id="{3D11B9FE-E621-4D6E-3D63-CDAC8934FEEF}"/>
-                        </a:ext>
-                      </a:extLst>
-                    </p:cNvPr>
-                    <p:cNvSpPr/>
-                    <p:nvPr/>
-                  </p:nvSpPr>
-                  <p:spPr>
-                    <a:xfrm>
-                      <a:off x="2319279" y="2903389"/>
-                      <a:ext cx="2777936" cy="798818"/>
-                    </a:xfrm>
-                    <a:prstGeom prst="ellipse">
-                      <a:avLst/>
-                    </a:prstGeom>
-                    <a:ln>
-                      <a:solidFill>
-                        <a:schemeClr val="accent1"/>
-                      </a:solidFill>
-                    </a:ln>
-                  </p:spPr>
-                  <p:style>
-                    <a:lnRef idx="2">
-                      <a:schemeClr val="accent1">
-                        <a:shade val="50000"/>
-                      </a:schemeClr>
-                    </a:lnRef>
-                    <a:fillRef idx="1">
-                      <a:schemeClr val="accent1"/>
-                    </a:fillRef>
-                    <a:effectRef idx="0">
-                      <a:schemeClr val="accent1"/>
-                    </a:effectRef>
-                    <a:fontRef idx="minor">
-                      <a:schemeClr val="lt1"/>
-                    </a:fontRef>
-                  </p:style>
-                  <p:txBody>
-                    <a:bodyPr rtlCol="0" anchor="ctr"/>
-                    <a:lstStyle/>
-                    <a:p>
-                      <a:pPr algn="ctr"/>
-                      <a:r>
-                        <a:rPr lang="en-US" altLang="ko-KR" sz="900" dirty="0"/>
-                        <a:t>SysA</a:t>
-                      </a:r>
-                    </a:p>
-                    <a:p>
-                      <a:pPr algn="ctr"/>
-                      <a:r>
-                        <a:rPr lang="en-US" altLang="ko-KR" sz="900" dirty="0"/>
-                        <a:t>.Func1</a:t>
-                      </a:r>
-                      <a:endParaRPr lang="ko-KR" altLang="en-US" sz="900" dirty="0"/>
-                    </a:p>
-                  </p:txBody>
-                </p:sp>
-                <p:sp>
-                  <p:nvSpPr>
-                    <p:cNvPr id="7" name="타원 6">
-                      <a:extLst>
-                        <a:ext uri="{FF2B5EF4-FFF2-40B4-BE49-F238E27FC236}">
-                          <a16:creationId xmlns:a16="http://schemas.microsoft.com/office/drawing/2014/main" id="{6C9C7DED-2AAA-3CE9-E3D6-74EE5BBF72C8}"/>
-                        </a:ext>
-                      </a:extLst>
-                    </p:cNvPr>
-                    <p:cNvSpPr/>
-                    <p:nvPr/>
-                  </p:nvSpPr>
-                  <p:spPr>
-                    <a:xfrm>
-                      <a:off x="7513397" y="4721245"/>
-                      <a:ext cx="2424718" cy="839199"/>
-                    </a:xfrm>
-                    <a:prstGeom prst="ellipse">
-                      <a:avLst/>
-                    </a:prstGeom>
-                    <a:ln>
-                      <a:solidFill>
-                        <a:schemeClr val="accent1"/>
-                      </a:solidFill>
-                    </a:ln>
-                  </p:spPr>
-                  <p:style>
-                    <a:lnRef idx="2">
-                      <a:schemeClr val="accent1">
-                        <a:shade val="50000"/>
-                      </a:schemeClr>
-                    </a:lnRef>
-                    <a:fillRef idx="1">
-                      <a:schemeClr val="accent1"/>
-                    </a:fillRef>
-                    <a:effectRef idx="0">
-                      <a:schemeClr val="accent1"/>
-                    </a:effectRef>
-                    <a:fontRef idx="minor">
-                      <a:schemeClr val="lt1"/>
-                    </a:fontRef>
-                  </p:style>
-                  <p:txBody>
-                    <a:bodyPr rtlCol="0" anchor="ctr"/>
-                    <a:lstStyle/>
-                    <a:p>
-                      <a:pPr algn="ctr"/>
-                      <a:r>
-                        <a:rPr lang="en-US" altLang="ko-KR" sz="1000" dirty="0"/>
-                        <a:t>SysB</a:t>
-                      </a:r>
-                    </a:p>
-                    <a:p>
-                      <a:pPr algn="ctr"/>
-                      <a:r>
-                        <a:rPr lang="en-US" altLang="ko-KR" sz="1000" dirty="0"/>
-                        <a:t>.Func2</a:t>
-                      </a:r>
-                      <a:endParaRPr lang="ko-KR" altLang="en-US" sz="1000" dirty="0"/>
-                    </a:p>
-                  </p:txBody>
-                </p:sp>
-              </p:grpSp>
-            </p:grpSp>
-            <p:sp>
-              <p:nvSpPr>
-                <p:cNvPr id="23" name="타원 22">
-                  <a:extLst>
-                    <a:ext uri="{FF2B5EF4-FFF2-40B4-BE49-F238E27FC236}">
-                      <a16:creationId xmlns:a16="http://schemas.microsoft.com/office/drawing/2014/main" id="{2A59823F-60D6-767B-7621-A1E673C5E6F1}"/>
-                    </a:ext>
-                  </a:extLst>
-                </p:cNvPr>
-                <p:cNvSpPr/>
-                <p:nvPr/>
-              </p:nvSpPr>
-              <p:spPr>
-                <a:xfrm>
-                  <a:off x="7040526" y="2883199"/>
-                  <a:ext cx="2424718" cy="839199"/>
-                </a:xfrm>
-                <a:prstGeom prst="ellipse">
-                  <a:avLst/>
-                </a:prstGeom>
-              </p:spPr>
-              <p:style>
-                <a:lnRef idx="2">
-                  <a:schemeClr val="accent1">
-                    <a:shade val="50000"/>
-                  </a:schemeClr>
-                </a:lnRef>
-                <a:fillRef idx="1">
-                  <a:schemeClr val="accent1"/>
-                </a:fillRef>
-                <a:effectRef idx="0">
-                  <a:schemeClr val="accent1"/>
-                </a:effectRef>
-                <a:fontRef idx="minor">
-                  <a:schemeClr val="lt1"/>
-                </a:fontRef>
-              </p:style>
-              <p:txBody>
-                <a:bodyPr rtlCol="0" anchor="ctr"/>
-                <a:lstStyle/>
-                <a:p>
-                  <a:pPr algn="ctr"/>
-                  <a:r>
-                    <a:rPr lang="en-US" altLang="ko-KR" sz="1000" dirty="0"/>
-                    <a:t>SysB</a:t>
-                  </a:r>
-                </a:p>
-                <a:p>
-                  <a:pPr algn="ctr"/>
-                  <a:r>
-                    <a:rPr lang="en-US" altLang="ko-KR" sz="1000" dirty="0"/>
-                    <a:t>.Func1</a:t>
-                  </a:r>
-                  <a:endParaRPr lang="ko-KR" altLang="en-US" sz="1000" dirty="0"/>
-                </a:p>
-              </p:txBody>
-            </p:sp>
-          </p:grpSp>
-          <p:cxnSp>
-            <p:nvCxnSpPr>
-              <p:cNvPr id="84" name="직선 화살표 연결선 83">
-                <a:extLst>
-                  <a:ext uri="{FF2B5EF4-FFF2-40B4-BE49-F238E27FC236}">
-                    <a16:creationId xmlns:a16="http://schemas.microsoft.com/office/drawing/2014/main" id="{708FC434-C24E-8760-3603-8866FDA68F02}"/>
-                  </a:ext>
-                </a:extLst>
-              </p:cNvPr>
-              <p:cNvCxnSpPr>
-                <a:cxnSpLocks/>
-                <a:stCxn id="37" idx="6"/>
-                <a:endCxn id="23" idx="2"/>
-              </p:cNvCxnSpPr>
-              <p:nvPr/>
-            </p:nvCxnSpPr>
-            <p:spPr>
-              <a:xfrm>
-                <a:off x="3152018" y="3629496"/>
-                <a:ext cx="897921" cy="0"/>
-              </a:xfrm>
-              <a:prstGeom prst="straightConnector1">
-                <a:avLst/>
-              </a:prstGeom>
-              <a:ln>
-                <a:tailEnd type="triangle"/>
-              </a:ln>
-            </p:spPr>
-            <p:style>
-              <a:lnRef idx="1">
+                </a:rPr>
+                <a:t>R1</a:t>
+              </a:r>
+              <a:endParaRPr lang="ko-KR" altLang="en-US" sz="600" dirty="0">
+                <a:solidFill>
+                  <a:schemeClr val="tx1"/>
+                </a:solidFill>
+              </a:endParaRPr>
+            </a:p>
+          </p:txBody>
+        </p:sp>
+        <p:sp>
+          <p:nvSpPr>
+            <p:cNvPr id="36" name="타원 35">
+              <a:extLst>
+                <a:ext uri="{FF2B5EF4-FFF2-40B4-BE49-F238E27FC236}">
+                  <a16:creationId xmlns:a16="http://schemas.microsoft.com/office/drawing/2014/main" id="{754D0C0D-93B9-1942-CAD1-61DF85B607AC}"/>
+                </a:ext>
+              </a:extLst>
+            </p:cNvPr>
+            <p:cNvSpPr/>
+            <p:nvPr/>
+          </p:nvSpPr>
+          <p:spPr>
+            <a:xfrm>
+              <a:off x="1498979" y="3795642"/>
+              <a:ext cx="1120358" cy="641086"/>
+            </a:xfrm>
+            <a:prstGeom prst="ellipse">
+              <a:avLst/>
+            </a:prstGeom>
+            <a:ln>
+              <a:solidFill>
                 <a:schemeClr val="accent1"/>
-              </a:lnRef>
-              <a:fillRef idx="0">
+              </a:solidFill>
+            </a:ln>
+          </p:spPr>
+          <p:style>
+            <a:lnRef idx="2">
+              <a:schemeClr val="accent1">
+                <a:shade val="50000"/>
+              </a:schemeClr>
+            </a:lnRef>
+            <a:fillRef idx="1">
+              <a:schemeClr val="accent1"/>
+            </a:fillRef>
+            <a:effectRef idx="0">
+              <a:schemeClr val="accent1"/>
+            </a:effectRef>
+            <a:fontRef idx="minor">
+              <a:schemeClr val="lt1"/>
+            </a:fontRef>
+          </p:style>
+          <p:txBody>
+            <a:bodyPr rtlCol="0" anchor="ctr"/>
+            <a:lstStyle/>
+            <a:p>
+              <a:pPr algn="ctr"/>
+              <a:r>
+                <a:rPr lang="en-US" altLang="ko-KR" sz="1000" dirty="0"/>
+                <a:t>SysA</a:t>
+              </a:r>
+            </a:p>
+            <a:p>
+              <a:pPr algn="ctr"/>
+              <a:r>
+                <a:rPr lang="en-US" altLang="ko-KR" sz="1000" dirty="0"/>
+                <a:t>.Func2</a:t>
+              </a:r>
+              <a:endParaRPr lang="ko-KR" altLang="en-US" sz="1000" dirty="0"/>
+            </a:p>
+          </p:txBody>
+        </p:sp>
+        <p:sp>
+          <p:nvSpPr>
+            <p:cNvPr id="37" name="타원 36">
+              <a:extLst>
+                <a:ext uri="{FF2B5EF4-FFF2-40B4-BE49-F238E27FC236}">
+                  <a16:creationId xmlns:a16="http://schemas.microsoft.com/office/drawing/2014/main" id="{3D11B9FE-E621-4D6E-3D63-CDAC8934FEEF}"/>
+                </a:ext>
+              </a:extLst>
+            </p:cNvPr>
+            <p:cNvSpPr/>
+            <p:nvPr/>
+          </p:nvSpPr>
+          <p:spPr>
+            <a:xfrm>
+              <a:off x="1593239" y="2727477"/>
+              <a:ext cx="1283565" cy="610238"/>
+            </a:xfrm>
+            <a:prstGeom prst="ellipse">
+              <a:avLst/>
+            </a:prstGeom>
+            <a:ln>
+              <a:solidFill>
                 <a:schemeClr val="accent1"/>
-              </a:fillRef>
-              <a:effectRef idx="0">
+              </a:solidFill>
+            </a:ln>
+          </p:spPr>
+          <p:style>
+            <a:lnRef idx="2">
+              <a:schemeClr val="accent1">
+                <a:shade val="50000"/>
+              </a:schemeClr>
+            </a:lnRef>
+            <a:fillRef idx="1">
+              <a:schemeClr val="accent1"/>
+            </a:fillRef>
+            <a:effectRef idx="0">
+              <a:schemeClr val="accent1"/>
+            </a:effectRef>
+            <a:fontRef idx="minor">
+              <a:schemeClr val="lt1"/>
+            </a:fontRef>
+          </p:style>
+          <p:txBody>
+            <a:bodyPr rtlCol="0" anchor="ctr"/>
+            <a:lstStyle/>
+            <a:p>
+              <a:pPr algn="ctr"/>
+              <a:r>
+                <a:rPr lang="en-US" altLang="ko-KR" sz="900" dirty="0"/>
+                <a:t>SysA</a:t>
+              </a:r>
+            </a:p>
+            <a:p>
+              <a:pPr algn="ctr"/>
+              <a:r>
+                <a:rPr lang="en-US" altLang="ko-KR" sz="900" dirty="0"/>
+                <a:t>.Func1</a:t>
+              </a:r>
+              <a:endParaRPr lang="ko-KR" altLang="en-US" sz="900" dirty="0"/>
+            </a:p>
+          </p:txBody>
+        </p:sp>
+        <p:sp>
+          <p:nvSpPr>
+            <p:cNvPr id="7" name="타원 6">
+              <a:extLst>
+                <a:ext uri="{FF2B5EF4-FFF2-40B4-BE49-F238E27FC236}">
+                  <a16:creationId xmlns:a16="http://schemas.microsoft.com/office/drawing/2014/main" id="{6C9C7DED-2AAA-3CE9-E3D6-74EE5BBF72C8}"/>
+                </a:ext>
+              </a:extLst>
+            </p:cNvPr>
+            <p:cNvSpPr/>
+            <p:nvPr/>
+          </p:nvSpPr>
+          <p:spPr>
+            <a:xfrm>
+              <a:off x="3993218" y="4116184"/>
+              <a:ext cx="1120358" cy="641086"/>
+            </a:xfrm>
+            <a:prstGeom prst="ellipse">
+              <a:avLst/>
+            </a:prstGeom>
+            <a:ln>
+              <a:solidFill>
                 <a:schemeClr val="accent1"/>
-              </a:effectRef>
-              <a:fontRef idx="minor">
-                <a:schemeClr val="tx1"/>
-              </a:fontRef>
-            </p:style>
-          </p:cxnSp>
-        </p:grpSp>
+              </a:solidFill>
+            </a:ln>
+          </p:spPr>
+          <p:style>
+            <a:lnRef idx="2">
+              <a:schemeClr val="accent1">
+                <a:shade val="50000"/>
+              </a:schemeClr>
+            </a:lnRef>
+            <a:fillRef idx="1">
+              <a:schemeClr val="accent1"/>
+            </a:fillRef>
+            <a:effectRef idx="0">
+              <a:schemeClr val="accent1"/>
+            </a:effectRef>
+            <a:fontRef idx="minor">
+              <a:schemeClr val="lt1"/>
+            </a:fontRef>
+          </p:style>
+          <p:txBody>
+            <a:bodyPr rtlCol="0" anchor="ctr"/>
+            <a:lstStyle/>
+            <a:p>
+              <a:pPr algn="ctr"/>
+              <a:r>
+                <a:rPr lang="en-US" altLang="ko-KR" sz="1000" dirty="0"/>
+                <a:t>SysB</a:t>
+              </a:r>
+            </a:p>
+            <a:p>
+              <a:pPr algn="ctr"/>
+              <a:r>
+                <a:rPr lang="en-US" altLang="ko-KR" sz="1000" dirty="0"/>
+                <a:t>.Func2</a:t>
+              </a:r>
+              <a:endParaRPr lang="ko-KR" altLang="en-US" sz="1000" dirty="0"/>
+            </a:p>
+          </p:txBody>
+        </p:sp>
+        <p:sp>
+          <p:nvSpPr>
+            <p:cNvPr id="23" name="타원 22">
+              <a:extLst>
+                <a:ext uri="{FF2B5EF4-FFF2-40B4-BE49-F238E27FC236}">
+                  <a16:creationId xmlns:a16="http://schemas.microsoft.com/office/drawing/2014/main" id="{2A59823F-60D6-767B-7621-A1E673C5E6F1}"/>
+                </a:ext>
+              </a:extLst>
+            </p:cNvPr>
+            <p:cNvSpPr/>
+            <p:nvPr/>
+          </p:nvSpPr>
+          <p:spPr>
+            <a:xfrm>
+              <a:off x="3774725" y="2712053"/>
+              <a:ext cx="1120358" cy="641086"/>
+            </a:xfrm>
+            <a:prstGeom prst="ellipse">
+              <a:avLst/>
+            </a:prstGeom>
+          </p:spPr>
+          <p:style>
+            <a:lnRef idx="2">
+              <a:schemeClr val="accent1">
+                <a:shade val="50000"/>
+              </a:schemeClr>
+            </a:lnRef>
+            <a:fillRef idx="1">
+              <a:schemeClr val="accent1"/>
+            </a:fillRef>
+            <a:effectRef idx="0">
+              <a:schemeClr val="accent1"/>
+            </a:effectRef>
+            <a:fontRef idx="minor">
+              <a:schemeClr val="lt1"/>
+            </a:fontRef>
+          </p:style>
+          <p:txBody>
+            <a:bodyPr rtlCol="0" anchor="ctr"/>
+            <a:lstStyle/>
+            <a:p>
+              <a:pPr algn="ctr"/>
+              <a:r>
+                <a:rPr lang="en-US" altLang="ko-KR" sz="1000" dirty="0"/>
+                <a:t>SysB</a:t>
+              </a:r>
+            </a:p>
+            <a:p>
+              <a:pPr algn="ctr"/>
+              <a:r>
+                <a:rPr lang="en-US" altLang="ko-KR" sz="1000" dirty="0"/>
+                <a:t>.Func1</a:t>
+              </a:r>
+              <a:endParaRPr lang="ko-KR" altLang="en-US" sz="1000" dirty="0"/>
+            </a:p>
+          </p:txBody>
+        </p:sp>
+        <p:cxnSp>
+          <p:nvCxnSpPr>
+            <p:cNvPr id="84" name="직선 화살표 연결선 83">
+              <a:extLst>
+                <a:ext uri="{FF2B5EF4-FFF2-40B4-BE49-F238E27FC236}">
+                  <a16:creationId xmlns:a16="http://schemas.microsoft.com/office/drawing/2014/main" id="{708FC434-C24E-8760-3603-8866FDA68F02}"/>
+                </a:ext>
+              </a:extLst>
+            </p:cNvPr>
+            <p:cNvCxnSpPr>
+              <a:cxnSpLocks/>
+              <a:stCxn id="37" idx="6"/>
+              <a:endCxn id="23" idx="2"/>
+            </p:cNvCxnSpPr>
+            <p:nvPr/>
+          </p:nvCxnSpPr>
+          <p:spPr>
+            <a:xfrm>
+              <a:off x="2876804" y="3032596"/>
+              <a:ext cx="897921" cy="0"/>
+            </a:xfrm>
+            <a:prstGeom prst="straightConnector1">
+              <a:avLst/>
+            </a:prstGeom>
+            <a:ln>
+              <a:tailEnd type="triangle"/>
+            </a:ln>
+          </p:spPr>
+          <p:style>
+            <a:lnRef idx="1">
+              <a:schemeClr val="accent1"/>
+            </a:lnRef>
+            <a:fillRef idx="0">
+              <a:schemeClr val="accent1"/>
+            </a:fillRef>
+            <a:effectRef idx="0">
+              <a:schemeClr val="accent1"/>
+            </a:effectRef>
+            <a:fontRef idx="minor">
+              <a:schemeClr val="tx1"/>
+            </a:fontRef>
+          </p:style>
+        </p:cxnSp>
         <p:cxnSp>
           <p:nvCxnSpPr>
             <p:cNvPr id="5" name="직선 연결선 4">
@@ -7107,7 +7023,7 @@
           </p:nvCxnSpPr>
           <p:spPr>
             <a:xfrm flipH="1">
-              <a:off x="2334372" y="3934615"/>
+              <a:off x="2059158" y="3337715"/>
               <a:ext cx="175864" cy="457926"/>
             </a:xfrm>
             <a:prstGeom prst="line">
@@ -7147,7 +7063,7 @@
           </p:nvCxnSpPr>
           <p:spPr>
             <a:xfrm>
-              <a:off x="4610118" y="3950039"/>
+              <a:off x="4334904" y="3353139"/>
               <a:ext cx="218493" cy="763045"/>
             </a:xfrm>
             <a:prstGeom prst="line">

--- a/DsDotNet/src/UnitTest/UnitTest.Model/ImportOfficeExample/ppt/T9_Group.pptx
+++ b/DsDotNet/src/UnitTest/UnitTest.Model/ImportOfficeExample/ppt/T9_Group.pptx
@@ -217,7 +217,7 @@
           <a:p>
             <a:fld id="{DD503887-5801-43A0-AEF9-041E8DDC2558}" type="datetimeFigureOut">
               <a:rPr lang="ko-KR" altLang="en-US" smtClean="0"/>
-              <a:t>2024-03-13</a:t>
+              <a:t>2024-07-31</a:t>
             </a:fld>
             <a:endParaRPr lang="ko-KR" altLang="en-US"/>
           </a:p>
@@ -394,7 +394,7 @@
           <a:p>
             <a:fld id="{95336A0E-57B1-4D4C-BD9B-2F72B5943464}" type="datetimeFigureOut">
               <a:rPr lang="ko-KR" altLang="en-US" smtClean="0"/>
-              <a:t>2024-03-13</a:t>
+              <a:t>2024-07-31</a:t>
             </a:fld>
             <a:endParaRPr lang="ko-KR" altLang="en-US"/>
           </a:p>
@@ -756,7 +756,7 @@
           <a:effectLst/>
           <a:extLst>
             <a:ext uri="{91240B29-F687-4f45-9708-019B960494DF}">
-              <a14:hiddenLine xmlns="" xmlns:a14="http://schemas.microsoft.com/office/drawing/2010/main" w="9525">
+              <a14:hiddenLine xmlns:a14="http://schemas.microsoft.com/office/drawing/2010/main" xmlns="" w="9525">
                 <a:solidFill>
                   <a:srgbClr val="000000"/>
                 </a:solidFill>
@@ -948,7 +948,7 @@
           <a:p>
             <a:fld id="{DEA6EBF0-8E22-42A7-9BEA-2AC7066E6498}" type="datetimeFigureOut">
               <a:rPr lang="ko-KR" altLang="en-US" smtClean="0"/>
-              <a:t>2024-03-13</a:t>
+              <a:t>2024-07-31</a:t>
             </a:fld>
             <a:endParaRPr lang="ko-KR" altLang="en-US"/>
           </a:p>
@@ -1266,7 +1266,7 @@
           <a:p>
             <a:fld id="{DEA6EBF0-8E22-42A7-9BEA-2AC7066E6498}" type="datetimeFigureOut">
               <a:rPr lang="ko-KR" altLang="en-US" smtClean="0"/>
-              <a:t>2024-03-13</a:t>
+              <a:t>2024-07-31</a:t>
             </a:fld>
             <a:endParaRPr lang="ko-KR" altLang="en-US"/>
           </a:p>
@@ -1754,7 +1754,7 @@
           <a:p>
             <a:fld id="{DEA6EBF0-8E22-42A7-9BEA-2AC7066E6498}" type="datetimeFigureOut">
               <a:rPr lang="ko-KR" altLang="en-US" smtClean="0"/>
-              <a:t>2024-03-13</a:t>
+              <a:t>2024-07-31</a:t>
             </a:fld>
             <a:endParaRPr lang="ko-KR" altLang="en-US"/>
           </a:p>
@@ -2123,7 +2123,7 @@
           <a:p>
             <a:fld id="{DEA6EBF0-8E22-42A7-9BEA-2AC7066E6498}" type="datetimeFigureOut">
               <a:rPr lang="ko-KR" altLang="en-US" smtClean="0"/>
-              <a:t>2024-03-13</a:t>
+              <a:t>2024-07-31</a:t>
             </a:fld>
             <a:endParaRPr lang="ko-KR" altLang="en-US"/>
           </a:p>
@@ -2278,7 +2278,7 @@
           <a:ln/>
           <a:extLst>
             <a:ext uri="{91240B29-F687-4f45-9708-019B960494DF}">
-              <a14:hiddenLine xmlns="" xmlns:a14="http://schemas.microsoft.com/office/drawing/2010/main" w="9525">
+              <a14:hiddenLine xmlns:a14="http://schemas.microsoft.com/office/drawing/2010/main" xmlns="" w="9525">
                 <a:solidFill>
                   <a:srgbClr val="000000"/>
                 </a:solidFill>
@@ -2396,7 +2396,7 @@
           <a:p>
             <a:fld id="{DEA6EBF0-8E22-42A7-9BEA-2AC7066E6498}" type="datetimeFigureOut">
               <a:rPr lang="ko-KR" altLang="en-US" smtClean="0"/>
-              <a:t>2024-03-13</a:t>
+              <a:t>2024-07-31</a:t>
             </a:fld>
             <a:endParaRPr lang="ko-KR" altLang="en-US"/>
           </a:p>
@@ -2553,7 +2553,7 @@
           <a:ln/>
           <a:extLst>
             <a:ext uri="{91240B29-F687-4f45-9708-019B960494DF}">
-              <a14:hiddenLine xmlns="" xmlns:a14="http://schemas.microsoft.com/office/drawing/2010/main" w="9525">
+              <a14:hiddenLine xmlns:a14="http://schemas.microsoft.com/office/drawing/2010/main" xmlns="" w="9525">
                 <a:solidFill>
                   <a:srgbClr val="000000"/>
                 </a:solidFill>
@@ -2681,7 +2681,7 @@
           <a:p>
             <a:fld id="{DEA6EBF0-8E22-42A7-9BEA-2AC7066E6498}" type="datetimeFigureOut">
               <a:rPr lang="ko-KR" altLang="en-US" smtClean="0"/>
-              <a:t>2024-03-13</a:t>
+              <a:t>2024-07-31</a:t>
             </a:fld>
             <a:endParaRPr lang="ko-KR" altLang="en-US"/>
           </a:p>
@@ -2799,7 +2799,7 @@
           <a:p>
             <a:fld id="{DEA6EBF0-8E22-42A7-9BEA-2AC7066E6498}" type="datetimeFigureOut">
               <a:rPr lang="ko-KR" altLang="en-US" smtClean="0"/>
-              <a:t>2024-03-13</a:t>
+              <a:t>2024-07-31</a:t>
             </a:fld>
             <a:endParaRPr lang="ko-KR" altLang="en-US"/>
           </a:p>
@@ -2954,7 +2954,7 @@
           <a:ln/>
           <a:extLst>
             <a:ext uri="{91240B29-F687-4f45-9708-019B960494DF}">
-              <a14:hiddenLine xmlns="" xmlns:a14="http://schemas.microsoft.com/office/drawing/2010/main" w="9525">
+              <a14:hiddenLine xmlns:a14="http://schemas.microsoft.com/office/drawing/2010/main" xmlns="" w="9525">
                 <a:solidFill>
                   <a:srgbClr val="000000"/>
                 </a:solidFill>
@@ -3082,7 +3082,7 @@
           <a:p>
             <a:fld id="{DEA6EBF0-8E22-42A7-9BEA-2AC7066E6498}" type="datetimeFigureOut">
               <a:rPr lang="ko-KR" altLang="en-US" smtClean="0"/>
-              <a:t>2024-03-13</a:t>
+              <a:t>2024-07-31</a:t>
             </a:fld>
             <a:endParaRPr lang="ko-KR" altLang="en-US"/>
           </a:p>
@@ -3425,7 +3425,7 @@
           <a:p>
             <a:fld id="{DEA6EBF0-8E22-42A7-9BEA-2AC7066E6498}" type="datetimeFigureOut">
               <a:rPr lang="ko-KR" altLang="en-US" smtClean="0"/>
-              <a:t>2024-03-13</a:t>
+              <a:t>2024-07-31</a:t>
             </a:fld>
             <a:endParaRPr lang="ko-KR" altLang="en-US"/>
           </a:p>
@@ -3580,7 +3580,7 @@
           <a:ln/>
           <a:extLst>
             <a:ext uri="{91240B29-F687-4f45-9708-019B960494DF}">
-              <a14:hiddenLine xmlns="" xmlns:a14="http://schemas.microsoft.com/office/drawing/2010/main" w="9525">
+              <a14:hiddenLine xmlns:a14="http://schemas.microsoft.com/office/drawing/2010/main" xmlns="" w="9525">
                 <a:solidFill>
                   <a:srgbClr val="000000"/>
                 </a:solidFill>
@@ -3764,7 +3764,7 @@
           <a:p>
             <a:fld id="{DEA6EBF0-8E22-42A7-9BEA-2AC7066E6498}" type="datetimeFigureOut">
               <a:rPr lang="ko-KR" altLang="en-US" smtClean="0"/>
-              <a:t>2024-03-13</a:t>
+              <a:t>2024-07-31</a:t>
             </a:fld>
             <a:endParaRPr lang="ko-KR" altLang="en-US"/>
           </a:p>
@@ -3919,7 +3919,7 @@
           <a:ln/>
           <a:extLst>
             <a:ext uri="{91240B29-F687-4f45-9708-019B960494DF}">
-              <a14:hiddenLine xmlns="" xmlns:a14="http://schemas.microsoft.com/office/drawing/2010/main" w="9525">
+              <a14:hiddenLine xmlns:a14="http://schemas.microsoft.com/office/drawing/2010/main" xmlns="" w="9525">
                 <a:solidFill>
                   <a:srgbClr val="000000"/>
                 </a:solidFill>
@@ -4241,7 +4241,7 @@
           <a:p>
             <a:fld id="{DEA6EBF0-8E22-42A7-9BEA-2AC7066E6498}" type="datetimeFigureOut">
               <a:rPr lang="ko-KR" altLang="en-US" smtClean="0"/>
-              <a:t>2024-03-13</a:t>
+              <a:t>2024-07-31</a:t>
             </a:fld>
             <a:endParaRPr lang="ko-KR" altLang="en-US"/>
           </a:p>
@@ -4336,7 +4336,7 @@
           <a:p>
             <a:fld id="{DEA6EBF0-8E22-42A7-9BEA-2AC7066E6498}" type="datetimeFigureOut">
               <a:rPr lang="ko-KR" altLang="en-US" smtClean="0"/>
-              <a:t>2024-03-13</a:t>
+              <a:t>2024-07-31</a:t>
             </a:fld>
             <a:endParaRPr lang="ko-KR" altLang="en-US"/>
           </a:p>
@@ -4604,7 +4604,7 @@
           <a:ln/>
           <a:extLst>
             <a:ext uri="{91240B29-F687-4f45-9708-019B960494DF}">
-              <a14:hiddenLine xmlns="" xmlns:a14="http://schemas.microsoft.com/office/drawing/2010/main" w="9525">
+              <a14:hiddenLine xmlns:a14="http://schemas.microsoft.com/office/drawing/2010/main" xmlns="" w="9525">
                 <a:solidFill>
                   <a:srgbClr val="000000"/>
                 </a:solidFill>
@@ -4803,7 +4803,7 @@
           <a:p>
             <a:fld id="{DEA6EBF0-8E22-42A7-9BEA-2AC7066E6498}" type="datetimeFigureOut">
               <a:rPr lang="ko-KR" altLang="en-US" smtClean="0"/>
-              <a:t>2024-03-13</a:t>
+              <a:t>2024-07-31</a:t>
             </a:fld>
             <a:endParaRPr lang="ko-KR" altLang="en-US"/>
           </a:p>
@@ -5116,7 +5116,7 @@
           <a:p>
             <a:fld id="{DEA6EBF0-8E22-42A7-9BEA-2AC7066E6498}" type="datetimeFigureOut">
               <a:rPr lang="ko-KR" altLang="en-US" smtClean="0"/>
-              <a:t>2024-03-13</a:t>
+              <a:t>2024-07-31</a:t>
             </a:fld>
             <a:endParaRPr lang="ko-KR" altLang="en-US"/>
           </a:p>
@@ -5386,7 +5386,7 @@
           <a:p>
             <a:fld id="{DEA6EBF0-8E22-42A7-9BEA-2AC7066E6498}" type="datetimeFigureOut">
               <a:rPr lang="ko-KR" altLang="en-US" smtClean="0"/>
-              <a:t>2024-03-13</a:t>
+              <a:t>2024-07-31</a:t>
             </a:fld>
             <a:endParaRPr lang="ko-KR" altLang="en-US"/>
           </a:p>
@@ -6638,10 +6638,10 @@
       </p:sp>
       <p:grpSp>
         <p:nvGrpSpPr>
-          <p:cNvPr id="14" name="그룹 13">
+          <p:cNvPr id="12" name="그룹 11">
             <a:extLst>
               <a:ext uri="{FF2B5EF4-FFF2-40B4-BE49-F238E27FC236}">
-                <a16:creationId xmlns:a16="http://schemas.microsoft.com/office/drawing/2014/main" id="{4E53E08E-2A75-B991-3B19-8D597AEF3D47}"/>
+                <a16:creationId xmlns:a16="http://schemas.microsoft.com/office/drawing/2014/main" id="{17ED9908-7D1F-251D-D993-238F71F5C95F}"/>
               </a:ext>
             </a:extLst>
           </p:cNvPr>
@@ -7578,10 +7578,10 @@
           <a:p>
             <a:pPr algn="ctr"/>
             <a:r>
-              <a:rPr lang="en-US" altLang="ko-KR" dirty="0"/>
+              <a:rPr lang="en-US" altLang="ko-KR" strike="sngStrike" dirty="0"/>
               <a:t>R2</a:t>
             </a:r>
-            <a:endParaRPr lang="ko-KR" altLang="en-US" dirty="0"/>
+            <a:endParaRPr lang="ko-KR" altLang="en-US" strike="sngStrike" dirty="0"/>
           </a:p>
         </p:txBody>
       </p:sp>

--- a/DsDotNet/src/UnitTest/UnitTest.Model/ImportOfficeExample/ppt/T9_Group.pptx
+++ b/DsDotNet/src/UnitTest/UnitTest.Model/ImportOfficeExample/ppt/T9_Group.pptx
@@ -217,7 +217,7 @@
           <a:p>
             <a:fld id="{DD503887-5801-43A0-AEF9-041E8DDC2558}" type="datetimeFigureOut">
               <a:rPr lang="ko-KR" altLang="en-US" smtClean="0"/>
-              <a:t>2024-07-31</a:t>
+              <a:t>2024-08-14</a:t>
             </a:fld>
             <a:endParaRPr lang="ko-KR" altLang="en-US"/>
           </a:p>
@@ -394,7 +394,7 @@
           <a:p>
             <a:fld id="{95336A0E-57B1-4D4C-BD9B-2F72B5943464}" type="datetimeFigureOut">
               <a:rPr lang="ko-KR" altLang="en-US" smtClean="0"/>
-              <a:t>2024-07-31</a:t>
+              <a:t>2024-08-14</a:t>
             </a:fld>
             <a:endParaRPr lang="ko-KR" altLang="en-US"/>
           </a:p>
@@ -756,7 +756,7 @@
           <a:effectLst/>
           <a:extLst>
             <a:ext uri="{91240B29-F687-4f45-9708-019B960494DF}">
-              <a14:hiddenLine xmlns:a14="http://schemas.microsoft.com/office/drawing/2010/main" xmlns="" w="9525">
+              <a14:hiddenLine xmlns="" xmlns:a14="http://schemas.microsoft.com/office/drawing/2010/main" w="9525">
                 <a:solidFill>
                   <a:srgbClr val="000000"/>
                 </a:solidFill>
@@ -948,7 +948,7 @@
           <a:p>
             <a:fld id="{DEA6EBF0-8E22-42A7-9BEA-2AC7066E6498}" type="datetimeFigureOut">
               <a:rPr lang="ko-KR" altLang="en-US" smtClean="0"/>
-              <a:t>2024-07-31</a:t>
+              <a:t>2024-08-14</a:t>
             </a:fld>
             <a:endParaRPr lang="ko-KR" altLang="en-US"/>
           </a:p>
@@ -1266,7 +1266,7 @@
           <a:p>
             <a:fld id="{DEA6EBF0-8E22-42A7-9BEA-2AC7066E6498}" type="datetimeFigureOut">
               <a:rPr lang="ko-KR" altLang="en-US" smtClean="0"/>
-              <a:t>2024-07-31</a:t>
+              <a:t>2024-08-14</a:t>
             </a:fld>
             <a:endParaRPr lang="ko-KR" altLang="en-US"/>
           </a:p>
@@ -1754,7 +1754,7 @@
           <a:p>
             <a:fld id="{DEA6EBF0-8E22-42A7-9BEA-2AC7066E6498}" type="datetimeFigureOut">
               <a:rPr lang="ko-KR" altLang="en-US" smtClean="0"/>
-              <a:t>2024-07-31</a:t>
+              <a:t>2024-08-14</a:t>
             </a:fld>
             <a:endParaRPr lang="ko-KR" altLang="en-US"/>
           </a:p>
@@ -2123,7 +2123,7 @@
           <a:p>
             <a:fld id="{DEA6EBF0-8E22-42A7-9BEA-2AC7066E6498}" type="datetimeFigureOut">
               <a:rPr lang="ko-KR" altLang="en-US" smtClean="0"/>
-              <a:t>2024-07-31</a:t>
+              <a:t>2024-08-14</a:t>
             </a:fld>
             <a:endParaRPr lang="ko-KR" altLang="en-US"/>
           </a:p>
@@ -2278,7 +2278,7 @@
           <a:ln/>
           <a:extLst>
             <a:ext uri="{91240B29-F687-4f45-9708-019B960494DF}">
-              <a14:hiddenLine xmlns:a14="http://schemas.microsoft.com/office/drawing/2010/main" xmlns="" w="9525">
+              <a14:hiddenLine xmlns="" xmlns:a14="http://schemas.microsoft.com/office/drawing/2010/main" w="9525">
                 <a:solidFill>
                   <a:srgbClr val="000000"/>
                 </a:solidFill>
@@ -2396,7 +2396,7 @@
           <a:p>
             <a:fld id="{DEA6EBF0-8E22-42A7-9BEA-2AC7066E6498}" type="datetimeFigureOut">
               <a:rPr lang="ko-KR" altLang="en-US" smtClean="0"/>
-              <a:t>2024-07-31</a:t>
+              <a:t>2024-08-14</a:t>
             </a:fld>
             <a:endParaRPr lang="ko-KR" altLang="en-US"/>
           </a:p>
@@ -2553,7 +2553,7 @@
           <a:ln/>
           <a:extLst>
             <a:ext uri="{91240B29-F687-4f45-9708-019B960494DF}">
-              <a14:hiddenLine xmlns:a14="http://schemas.microsoft.com/office/drawing/2010/main" xmlns="" w="9525">
+              <a14:hiddenLine xmlns="" xmlns:a14="http://schemas.microsoft.com/office/drawing/2010/main" w="9525">
                 <a:solidFill>
                   <a:srgbClr val="000000"/>
                 </a:solidFill>
@@ -2681,7 +2681,7 @@
           <a:p>
             <a:fld id="{DEA6EBF0-8E22-42A7-9BEA-2AC7066E6498}" type="datetimeFigureOut">
               <a:rPr lang="ko-KR" altLang="en-US" smtClean="0"/>
-              <a:t>2024-07-31</a:t>
+              <a:t>2024-08-14</a:t>
             </a:fld>
             <a:endParaRPr lang="ko-KR" altLang="en-US"/>
           </a:p>
@@ -2799,7 +2799,7 @@
           <a:p>
             <a:fld id="{DEA6EBF0-8E22-42A7-9BEA-2AC7066E6498}" type="datetimeFigureOut">
               <a:rPr lang="ko-KR" altLang="en-US" smtClean="0"/>
-              <a:t>2024-07-31</a:t>
+              <a:t>2024-08-14</a:t>
             </a:fld>
             <a:endParaRPr lang="ko-KR" altLang="en-US"/>
           </a:p>
@@ -2954,7 +2954,7 @@
           <a:ln/>
           <a:extLst>
             <a:ext uri="{91240B29-F687-4f45-9708-019B960494DF}">
-              <a14:hiddenLine xmlns:a14="http://schemas.microsoft.com/office/drawing/2010/main" xmlns="" w="9525">
+              <a14:hiddenLine xmlns="" xmlns:a14="http://schemas.microsoft.com/office/drawing/2010/main" w="9525">
                 <a:solidFill>
                   <a:srgbClr val="000000"/>
                 </a:solidFill>
@@ -3082,7 +3082,7 @@
           <a:p>
             <a:fld id="{DEA6EBF0-8E22-42A7-9BEA-2AC7066E6498}" type="datetimeFigureOut">
               <a:rPr lang="ko-KR" altLang="en-US" smtClean="0"/>
-              <a:t>2024-07-31</a:t>
+              <a:t>2024-08-14</a:t>
             </a:fld>
             <a:endParaRPr lang="ko-KR" altLang="en-US"/>
           </a:p>
@@ -3425,7 +3425,7 @@
           <a:p>
             <a:fld id="{DEA6EBF0-8E22-42A7-9BEA-2AC7066E6498}" type="datetimeFigureOut">
               <a:rPr lang="ko-KR" altLang="en-US" smtClean="0"/>
-              <a:t>2024-07-31</a:t>
+              <a:t>2024-08-14</a:t>
             </a:fld>
             <a:endParaRPr lang="ko-KR" altLang="en-US"/>
           </a:p>
@@ -3580,7 +3580,7 @@
           <a:ln/>
           <a:extLst>
             <a:ext uri="{91240B29-F687-4f45-9708-019B960494DF}">
-              <a14:hiddenLine xmlns:a14="http://schemas.microsoft.com/office/drawing/2010/main" xmlns="" w="9525">
+              <a14:hiddenLine xmlns="" xmlns:a14="http://schemas.microsoft.com/office/drawing/2010/main" w="9525">
                 <a:solidFill>
                   <a:srgbClr val="000000"/>
                 </a:solidFill>
@@ -3764,7 +3764,7 @@
           <a:p>
             <a:fld id="{DEA6EBF0-8E22-42A7-9BEA-2AC7066E6498}" type="datetimeFigureOut">
               <a:rPr lang="ko-KR" altLang="en-US" smtClean="0"/>
-              <a:t>2024-07-31</a:t>
+              <a:t>2024-08-14</a:t>
             </a:fld>
             <a:endParaRPr lang="ko-KR" altLang="en-US"/>
           </a:p>
@@ -3919,7 +3919,7 @@
           <a:ln/>
           <a:extLst>
             <a:ext uri="{91240B29-F687-4f45-9708-019B960494DF}">
-              <a14:hiddenLine xmlns:a14="http://schemas.microsoft.com/office/drawing/2010/main" xmlns="" w="9525">
+              <a14:hiddenLine xmlns="" xmlns:a14="http://schemas.microsoft.com/office/drawing/2010/main" w="9525">
                 <a:solidFill>
                   <a:srgbClr val="000000"/>
                 </a:solidFill>
@@ -4241,7 +4241,7 @@
           <a:p>
             <a:fld id="{DEA6EBF0-8E22-42A7-9BEA-2AC7066E6498}" type="datetimeFigureOut">
               <a:rPr lang="ko-KR" altLang="en-US" smtClean="0"/>
-              <a:t>2024-07-31</a:t>
+              <a:t>2024-08-14</a:t>
             </a:fld>
             <a:endParaRPr lang="ko-KR" altLang="en-US"/>
           </a:p>
@@ -4336,7 +4336,7 @@
           <a:p>
             <a:fld id="{DEA6EBF0-8E22-42A7-9BEA-2AC7066E6498}" type="datetimeFigureOut">
               <a:rPr lang="ko-KR" altLang="en-US" smtClean="0"/>
-              <a:t>2024-07-31</a:t>
+              <a:t>2024-08-14</a:t>
             </a:fld>
             <a:endParaRPr lang="ko-KR" altLang="en-US"/>
           </a:p>
@@ -4604,7 +4604,7 @@
           <a:ln/>
           <a:extLst>
             <a:ext uri="{91240B29-F687-4f45-9708-019B960494DF}">
-              <a14:hiddenLine xmlns:a14="http://schemas.microsoft.com/office/drawing/2010/main" xmlns="" w="9525">
+              <a14:hiddenLine xmlns="" xmlns:a14="http://schemas.microsoft.com/office/drawing/2010/main" w="9525">
                 <a:solidFill>
                   <a:srgbClr val="000000"/>
                 </a:solidFill>
@@ -4803,7 +4803,7 @@
           <a:p>
             <a:fld id="{DEA6EBF0-8E22-42A7-9BEA-2AC7066E6498}" type="datetimeFigureOut">
               <a:rPr lang="ko-KR" altLang="en-US" smtClean="0"/>
-              <a:t>2024-07-31</a:t>
+              <a:t>2024-08-14</a:t>
             </a:fld>
             <a:endParaRPr lang="ko-KR" altLang="en-US"/>
           </a:p>
@@ -5116,7 +5116,7 @@
           <a:p>
             <a:fld id="{DEA6EBF0-8E22-42A7-9BEA-2AC7066E6498}" type="datetimeFigureOut">
               <a:rPr lang="ko-KR" altLang="en-US" smtClean="0"/>
-              <a:t>2024-07-31</a:t>
+              <a:t>2024-08-14</a:t>
             </a:fld>
             <a:endParaRPr lang="ko-KR" altLang="en-US"/>
           </a:p>
@@ -5386,7 +5386,7 @@
           <a:p>
             <a:fld id="{DEA6EBF0-8E22-42A7-9BEA-2AC7066E6498}" type="datetimeFigureOut">
               <a:rPr lang="ko-KR" altLang="en-US" smtClean="0"/>
-              <a:t>2024-07-31</a:t>
+              <a:t>2024-08-14</a:t>
             </a:fld>
             <a:endParaRPr lang="ko-KR" altLang="en-US"/>
           </a:p>
@@ -7189,14 +7189,7 @@
             <a:pPr algn="ctr"/>
             <a:r>
               <a:rPr lang="en-US" altLang="ko-KR" sz="1800" dirty="0"/>
-              <a:t>../Sample</a:t>
-            </a:r>
-          </a:p>
-          <a:p>
-            <a:pPr algn="ctr"/>
-            <a:r>
-              <a:rPr lang="en-US" altLang="ko-KR" sz="1800" dirty="0"/>
-              <a:t>/Lib</a:t>
+              <a:t>./Lib</a:t>
             </a:r>
             <a:r>
               <a:rPr lang="en-US" altLang="ko-KR" dirty="0"/>
@@ -7263,14 +7256,7 @@
             <a:pPr algn="ctr"/>
             <a:r>
               <a:rPr lang="en-US" altLang="ko-KR" sz="1800" dirty="0"/>
-              <a:t>../Sample</a:t>
-            </a:r>
-          </a:p>
-          <a:p>
-            <a:pPr algn="ctr"/>
-            <a:r>
-              <a:rPr lang="en-US" altLang="ko-KR" sz="1800" dirty="0"/>
-              <a:t>/Lib</a:t>
+              <a:t>./Lib</a:t>
             </a:r>
             <a:r>
               <a:rPr lang="en-US" altLang="ko-KR" dirty="0"/>
